--- a/Object-Relational Mapping.pptx
+++ b/Object-Relational Mapping.pptx
@@ -5,7 +5,7 @@
     <p:sldMasterId id="2147483831" r:id="rId1"/>
   </p:sldMasterIdLst>
   <p:notesMasterIdLst>
-    <p:notesMasterId r:id="rId44"/>
+    <p:notesMasterId r:id="rId49"/>
   </p:notesMasterIdLst>
   <p:sldIdLst>
     <p:sldId id="296" r:id="rId2"/>
@@ -48,8 +48,13 @@
     <p:sldId id="292" r:id="rId39"/>
     <p:sldId id="298" r:id="rId40"/>
     <p:sldId id="306" r:id="rId41"/>
-    <p:sldId id="305" r:id="rId42"/>
-    <p:sldId id="302" r:id="rId43"/>
+    <p:sldId id="309" r:id="rId42"/>
+    <p:sldId id="307" r:id="rId43"/>
+    <p:sldId id="308" r:id="rId44"/>
+    <p:sldId id="310" r:id="rId45"/>
+    <p:sldId id="311" r:id="rId46"/>
+    <p:sldId id="312" r:id="rId47"/>
+    <p:sldId id="302" r:id="rId48"/>
   </p:sldIdLst>
   <p:sldSz cx="12192000" cy="6858000"/>
   <p:notesSz cx="6858000" cy="9144000"/>
@@ -238,7 +243,7 @@
           <a:p>
             <a:fld id="{AB03DDCC-BA8F-4171-8DB5-CC5E5BB3A4B7}" type="datetimeFigureOut">
               <a:rPr lang="tr-TR" smtClean="0"/>
-              <a:t>1.08.2018</a:t>
+              <a:t>2.08.2018</a:t>
             </a:fld>
             <a:endParaRPr lang="tr-TR"/>
           </a:p>
@@ -685,7 +690,7 @@
           <a:effectLst/>
           <a:extLst>
             <a:ext uri="{91240B29-F687-4f45-9708-019B960494DF}">
-              <a14:hiddenLine xmlns="" xmlns:a14="http://schemas.microsoft.com/office/drawing/2010/main" w="9525">
+              <a14:hiddenLine xmlns:a14="http://schemas.microsoft.com/office/drawing/2010/main" xmlns="" w="9525">
                 <a:solidFill>
                   <a:srgbClr val="000000"/>
                 </a:solidFill>
@@ -877,7 +882,7 @@
           <a:p>
             <a:fld id="{BFF7A7FA-EA44-4A08-B94D-D36780083FC9}" type="datetimeFigureOut">
               <a:rPr lang="tr-TR" smtClean="0"/>
-              <a:t>1.08.2018</a:t>
+              <a:t>2.08.2018</a:t>
             </a:fld>
             <a:endParaRPr lang="tr-TR"/>
           </a:p>
@@ -1202,7 +1207,7 @@
           <a:p>
             <a:fld id="{BFF7A7FA-EA44-4A08-B94D-D36780083FC9}" type="datetimeFigureOut">
               <a:rPr lang="tr-TR" smtClean="0"/>
-              <a:t>1.08.2018</a:t>
+              <a:t>2.08.2018</a:t>
             </a:fld>
             <a:endParaRPr lang="tr-TR"/>
           </a:p>
@@ -1690,7 +1695,7 @@
           <a:p>
             <a:fld id="{BFF7A7FA-EA44-4A08-B94D-D36780083FC9}" type="datetimeFigureOut">
               <a:rPr lang="tr-TR" smtClean="0"/>
-              <a:t>1.08.2018</a:t>
+              <a:t>2.08.2018</a:t>
             </a:fld>
             <a:endParaRPr lang="tr-TR"/>
           </a:p>
@@ -2059,7 +2064,7 @@
           <a:p>
             <a:fld id="{BFF7A7FA-EA44-4A08-B94D-D36780083FC9}" type="datetimeFigureOut">
               <a:rPr lang="tr-TR" smtClean="0"/>
-              <a:t>1.08.2018</a:t>
+              <a:t>2.08.2018</a:t>
             </a:fld>
             <a:endParaRPr lang="tr-TR"/>
           </a:p>
@@ -2214,7 +2219,7 @@
           <a:ln/>
           <a:extLst>
             <a:ext uri="{91240B29-F687-4f45-9708-019B960494DF}">
-              <a14:hiddenLine xmlns="" xmlns:a14="http://schemas.microsoft.com/office/drawing/2010/main" w="9525">
+              <a14:hiddenLine xmlns:a14="http://schemas.microsoft.com/office/drawing/2010/main" xmlns="" w="9525">
                 <a:solidFill>
                   <a:srgbClr val="000000"/>
                 </a:solidFill>
@@ -2332,7 +2337,7 @@
           <a:p>
             <a:fld id="{BFF7A7FA-EA44-4A08-B94D-D36780083FC9}" type="datetimeFigureOut">
               <a:rPr lang="tr-TR" smtClean="0"/>
-              <a:t>1.08.2018</a:t>
+              <a:t>2.08.2018</a:t>
             </a:fld>
             <a:endParaRPr lang="tr-TR"/>
           </a:p>
@@ -2489,7 +2494,7 @@
           <a:ln/>
           <a:extLst>
             <a:ext uri="{91240B29-F687-4f45-9708-019B960494DF}">
-              <a14:hiddenLine xmlns="" xmlns:a14="http://schemas.microsoft.com/office/drawing/2010/main" w="9525">
+              <a14:hiddenLine xmlns:a14="http://schemas.microsoft.com/office/drawing/2010/main" xmlns="" w="9525">
                 <a:solidFill>
                   <a:srgbClr val="000000"/>
                 </a:solidFill>
@@ -2617,7 +2622,7 @@
           <a:p>
             <a:fld id="{BFF7A7FA-EA44-4A08-B94D-D36780083FC9}" type="datetimeFigureOut">
               <a:rPr lang="tr-TR" smtClean="0"/>
-              <a:t>1.08.2018</a:t>
+              <a:t>2.08.2018</a:t>
             </a:fld>
             <a:endParaRPr lang="tr-TR"/>
           </a:p>
@@ -2772,7 +2777,7 @@
           <a:ln/>
           <a:extLst>
             <a:ext uri="{91240B29-F687-4f45-9708-019B960494DF}">
-              <a14:hiddenLine xmlns="" xmlns:a14="http://schemas.microsoft.com/office/drawing/2010/main" w="9525">
+              <a14:hiddenLine xmlns:a14="http://schemas.microsoft.com/office/drawing/2010/main" xmlns="" w="9525">
                 <a:solidFill>
                   <a:srgbClr val="000000"/>
                 </a:solidFill>
@@ -2900,7 +2905,7 @@
           <a:p>
             <a:fld id="{BFF7A7FA-EA44-4A08-B94D-D36780083FC9}" type="datetimeFigureOut">
               <a:rPr lang="tr-TR" smtClean="0"/>
-              <a:t>1.08.2018</a:t>
+              <a:t>2.08.2018</a:t>
             </a:fld>
             <a:endParaRPr lang="tr-TR"/>
           </a:p>
@@ -3250,7 +3255,7 @@
           <a:p>
             <a:fld id="{BFF7A7FA-EA44-4A08-B94D-D36780083FC9}" type="datetimeFigureOut">
               <a:rPr lang="tr-TR" smtClean="0"/>
-              <a:t>1.08.2018</a:t>
+              <a:t>2.08.2018</a:t>
             </a:fld>
             <a:endParaRPr lang="tr-TR"/>
           </a:p>
@@ -3412,7 +3417,7 @@
           <a:ln/>
           <a:extLst>
             <a:ext uri="{91240B29-F687-4f45-9708-019B960494DF}">
-              <a14:hiddenLine xmlns="" xmlns:a14="http://schemas.microsoft.com/office/drawing/2010/main" w="9525">
+              <a14:hiddenLine xmlns:a14="http://schemas.microsoft.com/office/drawing/2010/main" xmlns="" w="9525">
                 <a:solidFill>
                   <a:srgbClr val="000000"/>
                 </a:solidFill>
@@ -3596,7 +3601,7 @@
           <a:p>
             <a:fld id="{BFF7A7FA-EA44-4A08-B94D-D36780083FC9}" type="datetimeFigureOut">
               <a:rPr lang="tr-TR" smtClean="0"/>
-              <a:t>1.08.2018</a:t>
+              <a:t>2.08.2018</a:t>
             </a:fld>
             <a:endParaRPr lang="tr-TR"/>
           </a:p>
@@ -3758,7 +3763,7 @@
           <a:ln/>
           <a:extLst>
             <a:ext uri="{91240B29-F687-4f45-9708-019B960494DF}">
-              <a14:hiddenLine xmlns="" xmlns:a14="http://schemas.microsoft.com/office/drawing/2010/main" w="9525">
+              <a14:hiddenLine xmlns:a14="http://schemas.microsoft.com/office/drawing/2010/main" xmlns="" w="9525">
                 <a:solidFill>
                   <a:srgbClr val="000000"/>
                 </a:solidFill>
@@ -4080,7 +4085,7 @@
           <a:p>
             <a:fld id="{BFF7A7FA-EA44-4A08-B94D-D36780083FC9}" type="datetimeFigureOut">
               <a:rPr lang="tr-TR" smtClean="0"/>
-              <a:t>1.08.2018</a:t>
+              <a:t>2.08.2018</a:t>
             </a:fld>
             <a:endParaRPr lang="tr-TR"/>
           </a:p>
@@ -4235,7 +4240,7 @@
           <a:ln/>
           <a:extLst>
             <a:ext uri="{91240B29-F687-4f45-9708-019B960494DF}">
-              <a14:hiddenLine xmlns="" xmlns:a14="http://schemas.microsoft.com/office/drawing/2010/main" w="9525">
+              <a14:hiddenLine xmlns:a14="http://schemas.microsoft.com/office/drawing/2010/main" xmlns="" w="9525">
                 <a:solidFill>
                   <a:srgbClr val="000000"/>
                 </a:solidFill>
@@ -4301,7 +4306,7 @@
           <a:p>
             <a:fld id="{BFF7A7FA-EA44-4A08-B94D-D36780083FC9}" type="datetimeFigureOut">
               <a:rPr lang="tr-TR" smtClean="0"/>
-              <a:t>1.08.2018</a:t>
+              <a:t>2.08.2018</a:t>
             </a:fld>
             <a:endParaRPr lang="tr-TR"/>
           </a:p>
@@ -4396,7 +4401,7 @@
           <a:p>
             <a:fld id="{BFF7A7FA-EA44-4A08-B94D-D36780083FC9}" type="datetimeFigureOut">
               <a:rPr lang="tr-TR" smtClean="0"/>
-              <a:t>1.08.2018</a:t>
+              <a:t>2.08.2018</a:t>
             </a:fld>
             <a:endParaRPr lang="tr-TR"/>
           </a:p>
@@ -4664,7 +4669,7 @@
           <a:ln/>
           <a:extLst>
             <a:ext uri="{91240B29-F687-4f45-9708-019B960494DF}">
-              <a14:hiddenLine xmlns="" xmlns:a14="http://schemas.microsoft.com/office/drawing/2010/main" w="9525">
+              <a14:hiddenLine xmlns:a14="http://schemas.microsoft.com/office/drawing/2010/main" xmlns="" w="9525">
                 <a:solidFill>
                   <a:srgbClr val="000000"/>
                 </a:solidFill>
@@ -4863,7 +4868,7 @@
           <a:p>
             <a:fld id="{BFF7A7FA-EA44-4A08-B94D-D36780083FC9}" type="datetimeFigureOut">
               <a:rPr lang="tr-TR" smtClean="0"/>
-              <a:t>1.08.2018</a:t>
+              <a:t>2.08.2018</a:t>
             </a:fld>
             <a:endParaRPr lang="tr-TR"/>
           </a:p>
@@ -5176,7 +5181,7 @@
           <a:p>
             <a:fld id="{BFF7A7FA-EA44-4A08-B94D-D36780083FC9}" type="datetimeFigureOut">
               <a:rPr lang="tr-TR" smtClean="0"/>
-              <a:t>1.08.2018</a:t>
+              <a:t>2.08.2018</a:t>
             </a:fld>
             <a:endParaRPr lang="tr-TR"/>
           </a:p>
@@ -5446,7 +5451,7 @@
           <a:p>
             <a:fld id="{BFF7A7FA-EA44-4A08-B94D-D36780083FC9}" type="datetimeFigureOut">
               <a:rPr lang="tr-TR" smtClean="0"/>
-              <a:t>1.08.2018</a:t>
+              <a:t>2.08.2018</a:t>
             </a:fld>
             <a:endParaRPr lang="tr-TR"/>
           </a:p>
@@ -6902,7 +6907,12 @@
             <p:ph idx="1"/>
           </p:nvPr>
         </p:nvSpPr>
-        <p:spPr/>
+        <p:spPr>
+          <a:xfrm>
+            <a:off x="818712" y="2222287"/>
+            <a:ext cx="10554574" cy="2180497"/>
+          </a:xfrm>
+        </p:spPr>
         <p:txBody>
           <a:bodyPr/>
           <a:lstStyle/>
@@ -6963,40 +6973,38 @@
           <a:p>
             <a:endParaRPr lang="tr-TR" dirty="0"/>
           </a:p>
-          <a:p>
-            <a:r>
-              <a:rPr lang="tr-TR" b="1" dirty="0" smtClean="0"/>
-              <a:t>Dikkat: </a:t>
-            </a:r>
-            <a:r>
-              <a:rPr lang="tr-TR" dirty="0" smtClean="0"/>
-              <a:t>Bazen oluşturulan SQL ifadeleri yeterince performanslı olmayabilir</a:t>
-            </a:r>
-            <a:r>
-              <a:rPr lang="tr-TR" dirty="0" smtClean="0"/>
-              <a:t>. </a:t>
-            </a:r>
-          </a:p>
-          <a:p>
-            <a:pPr marL="0" indent="0">
-              <a:buNone/>
-            </a:pPr>
-            <a:r>
-              <a:rPr lang="tr-TR" dirty="0" smtClean="0"/>
-              <a:t>(Araştırmalarıma göre çok sık ‘</a:t>
-            </a:r>
-            <a:r>
-              <a:rPr lang="tr-TR" dirty="0" err="1" smtClean="0"/>
-              <a:t>where</a:t>
-            </a:r>
-            <a:r>
-              <a:rPr lang="tr-TR" dirty="0" smtClean="0"/>
-              <a:t>’ ifadesi kullanılan sorgularda elle yazılandan daha karmaşık SQL sorguları ortaya çıkabiliyor. )</a:t>
-            </a:r>
-            <a:endParaRPr lang="tr-TR" b="1" dirty="0"/>
-          </a:p>
-        </p:txBody>
-      </p:sp>
+        </p:txBody>
+      </p:sp>
+      <p:pic>
+        <p:nvPicPr>
+          <p:cNvPr id="4" name="Resim 3"/>
+          <p:cNvPicPr>
+            <a:picLocks noChangeAspect="1"/>
+          </p:cNvPicPr>
+          <p:nvPr/>
+        </p:nvPicPr>
+        <p:blipFill>
+          <a:blip r:embed="rId2">
+            <a:extLst>
+              <a:ext uri="{28A0092B-C50C-407E-A947-70E740481C1C}">
+                <a14:useLocalDpi xmlns:a14="http://schemas.microsoft.com/office/drawing/2010/main" val="0"/>
+              </a:ext>
+            </a:extLst>
+          </a:blip>
+          <a:stretch>
+            <a:fillRect/>
+          </a:stretch>
+        </p:blipFill>
+        <p:spPr>
+          <a:xfrm>
+            <a:off x="4691640" y="3782422"/>
+            <a:ext cx="2808717" cy="2850022"/>
+          </a:xfrm>
+          <a:prstGeom prst="rect">
+            <a:avLst/>
+          </a:prstGeom>
+        </p:spPr>
+      </p:pic>
     </p:spTree>
     <p:extLst>
       <p:ext uri="{BB962C8B-B14F-4D97-AF65-F5344CB8AC3E}">
@@ -7093,7 +7101,6 @@
               <a:rPr lang="tr-TR" dirty="0" smtClean="0"/>
               <a:t>Veri tabanı ile uygulamalarımız arasında köprü görevi gören bir yapıdır. </a:t>
             </a:r>
-            <a:endParaRPr lang="tr-TR" dirty="0" smtClean="0"/>
           </a:p>
           <a:p>
             <a:endParaRPr lang="tr-TR" b="1" dirty="0"/>
@@ -7556,6 +7563,13 @@
             <a:r>
               <a:rPr lang="tr-TR" dirty="0" smtClean="0"/>
               <a:t>ORM Araçları Nelerdir?</a:t>
+            </a:r>
+          </a:p>
+          <a:p>
+            <a:pPr marL="342900" lvl="1" indent="-342900"/>
+            <a:r>
+              <a:rPr lang="tr-TR" dirty="0" smtClean="0"/>
+              <a:t>ORM Araçlarının Karşılaştırılması</a:t>
             </a:r>
             <a:endParaRPr lang="tr-TR" dirty="0"/>
           </a:p>
@@ -8927,11 +8941,7 @@
           <a:p>
             <a:r>
               <a:rPr lang="tr-TR" dirty="0" smtClean="0"/>
-              <a:t>Daha performanslı olmalarına rağmen orta – büyük ölçekli projelerde pek tercih edilmezler</a:t>
-            </a:r>
-            <a:r>
-              <a:rPr lang="tr-TR" dirty="0" smtClean="0"/>
-              <a:t>.</a:t>
+              <a:t>Daha performanslı olmalarına rağmen orta – büyük ölçekli projelerde pek tercih edilmezler.</a:t>
             </a:r>
           </a:p>
           <a:p>
@@ -9366,11 +9376,7 @@
             </a:r>
             <a:r>
               <a:rPr lang="tr-TR" dirty="0" smtClean="0"/>
-              <a:t>üzerinden yüklenebilir</a:t>
-            </a:r>
-            <a:r>
-              <a:rPr lang="tr-TR" dirty="0" smtClean="0"/>
-              <a:t>.</a:t>
+              <a:t>üzerinden yüklenebilir.</a:t>
             </a:r>
           </a:p>
           <a:p>
@@ -9751,13 +9757,8 @@
             </a:r>
             <a:r>
               <a:rPr lang="tr-TR" dirty="0" smtClean="0"/>
-              <a:t> üzerinden bağlanıyoruz</a:t>
-            </a:r>
-            <a:r>
-              <a:rPr lang="tr-TR" dirty="0" smtClean="0"/>
-              <a:t>.</a:t>
-            </a:r>
-            <a:endParaRPr lang="tr-TR" dirty="0" smtClean="0"/>
+              <a:t> üzerinden bağlanıyoruz.</a:t>
+            </a:r>
           </a:p>
           <a:p>
             <a:r>
@@ -10481,11 +10482,7 @@
           <a:p>
             <a:r>
               <a:rPr lang="tr-TR" dirty="0" smtClean="0"/>
-              <a:t>ORM Araçlarının </a:t>
-            </a:r>
-            <a:r>
-              <a:rPr lang="tr-TR" dirty="0" smtClean="0"/>
-              <a:t>Karşılaştırılması - 1</a:t>
+              <a:t>ORM Araçlarının Karşılaştırılması - 1</a:t>
             </a:r>
             <a:endParaRPr lang="tr-TR" dirty="0"/>
           </a:p>
@@ -10828,11 +10825,7 @@
           <a:p>
             <a:r>
               <a:rPr lang="tr-TR" dirty="0" smtClean="0"/>
-              <a:t>500’den fazla kez tekrarlanan ‘SELECT’ sorgusu sonucunda elde edilen </a:t>
-            </a:r>
-            <a:r>
-              <a:rPr lang="tr-TR" dirty="0" smtClean="0"/>
-              <a:t>veriler.</a:t>
+              <a:t>500’den fazla kez tekrarlanan ‘SELECT’ sorgusu sonucunda elde edilen veriler.</a:t>
             </a:r>
           </a:p>
           <a:p>
@@ -11568,7 +11561,7 @@
     </p:spTree>
     <p:extLst>
       <p:ext uri="{BB962C8B-B14F-4D97-AF65-F5344CB8AC3E}">
-        <p14:creationId xmlns:p14="http://schemas.microsoft.com/office/powerpoint/2010/main" val="440293260"/>
+        <p14:creationId xmlns:p14="http://schemas.microsoft.com/office/powerpoint/2010/main" val="1882305490"/>
       </p:ext>
     </p:extLst>
   </p:cSld>
@@ -11617,24 +11610,4469 @@
           <a:bodyPr/>
           <a:lstStyle/>
           <a:p>
-            <a:endParaRPr lang="tr-TR"/>
-          </a:p>
-        </p:txBody>
-      </p:sp>
-      <p:sp>
-        <p:nvSpPr>
-          <p:cNvPr id="3" name="İçerik Yer Tutucusu 2"/>
-          <p:cNvSpPr>
-            <a:spLocks noGrp="1"/>
-          </p:cNvSpPr>
+            <a:r>
+              <a:rPr lang="tr-TR" dirty="0" smtClean="0"/>
+              <a:t>ORM Araçlarının Karşılaştırılması - 4</a:t>
+            </a:r>
+            <a:endParaRPr lang="tr-TR" dirty="0"/>
+          </a:p>
+        </p:txBody>
+      </p:sp>
+      <p:graphicFrame>
+        <p:nvGraphicFramePr>
+          <p:cNvPr id="5" name="İçerik Yer Tutucusu 4"/>
+          <p:cNvGraphicFramePr>
+            <a:graphicFrameLocks noGrp="1"/>
+          </p:cNvGraphicFramePr>
           <p:nvPr>
             <p:ph idx="1"/>
-          </p:nvPr>
+            <p:extLst>
+              <p:ext uri="{D42A27DB-BD31-4B8C-83A1-F6EECF244321}">
+                <p14:modId xmlns:p14="http://schemas.microsoft.com/office/powerpoint/2010/main" val="1430108842"/>
+              </p:ext>
+            </p:extLst>
+          </p:nvPr>
+        </p:nvGraphicFramePr>
+        <p:xfrm>
+          <a:off x="896062" y="2816978"/>
+          <a:ext cx="10553700" cy="2225040"/>
+        </p:xfrm>
+        <a:graphic>
+          <a:graphicData uri="http://schemas.openxmlformats.org/drawingml/2006/table">
+            <a:tbl>
+              <a:tblPr firstRow="1" bandRow="1">
+                <a:tableStyleId>{5C22544A-7EE6-4342-B048-85BDC9FD1C3A}</a:tableStyleId>
+              </a:tblPr>
+              <a:tblGrid>
+                <a:gridCol w="2638425"/>
+                <a:gridCol w="2638425"/>
+                <a:gridCol w="2638425"/>
+                <a:gridCol w="2638425"/>
+              </a:tblGrid>
+              <a:tr h="370840">
+                <a:tc>
+                  <a:txBody>
+                    <a:bodyPr/>
+                    <a:lstStyle/>
+                    <a:p>
+                      <a:r>
+                        <a:rPr lang="tr-TR" dirty="0" smtClean="0">
+                          <a:solidFill>
+                            <a:schemeClr val="bg1"/>
+                          </a:solidFill>
+                        </a:rPr>
+                        <a:t>Tekrar</a:t>
+                      </a:r>
+                      <a:endParaRPr lang="tr-TR" dirty="0">
+                        <a:solidFill>
+                          <a:schemeClr val="bg1"/>
+                        </a:solidFill>
+                      </a:endParaRPr>
+                    </a:p>
+                  </a:txBody>
+                  <a:tcPr/>
+                </a:tc>
+                <a:tc>
+                  <a:txBody>
+                    <a:bodyPr/>
+                    <a:lstStyle/>
+                    <a:p>
+                      <a:r>
+                        <a:rPr lang="tr-TR" dirty="0" err="1" smtClean="0">
+                          <a:solidFill>
+                            <a:schemeClr val="bg1"/>
+                          </a:solidFill>
+                        </a:rPr>
+                        <a:t>NHibernate</a:t>
+                      </a:r>
+                      <a:endParaRPr lang="tr-TR" dirty="0">
+                        <a:solidFill>
+                          <a:schemeClr val="bg1"/>
+                        </a:solidFill>
+                      </a:endParaRPr>
+                    </a:p>
+                  </a:txBody>
+                  <a:tcPr/>
+                </a:tc>
+                <a:tc>
+                  <a:txBody>
+                    <a:bodyPr/>
+                    <a:lstStyle/>
+                    <a:p>
+                      <a:r>
+                        <a:rPr lang="tr-TR" dirty="0" err="1" smtClean="0">
+                          <a:solidFill>
+                            <a:schemeClr val="bg1"/>
+                          </a:solidFill>
+                        </a:rPr>
+                        <a:t>Dapper</a:t>
+                      </a:r>
+                      <a:endParaRPr lang="tr-TR" dirty="0">
+                        <a:solidFill>
+                          <a:schemeClr val="bg1"/>
+                        </a:solidFill>
+                      </a:endParaRPr>
+                    </a:p>
+                  </a:txBody>
+                  <a:tcPr/>
+                </a:tc>
+                <a:tc>
+                  <a:txBody>
+                    <a:bodyPr/>
+                    <a:lstStyle/>
+                    <a:p>
+                      <a:r>
+                        <a:rPr lang="tr-TR" dirty="0" err="1" smtClean="0">
+                          <a:solidFill>
+                            <a:schemeClr val="bg1"/>
+                          </a:solidFill>
+                        </a:rPr>
+                        <a:t>Entity</a:t>
+                      </a:r>
+                      <a:r>
+                        <a:rPr lang="tr-TR" dirty="0" smtClean="0">
+                          <a:solidFill>
+                            <a:schemeClr val="bg1"/>
+                          </a:solidFill>
+                        </a:rPr>
+                        <a:t> Framework</a:t>
+                      </a:r>
+                      <a:endParaRPr lang="tr-TR" dirty="0">
+                        <a:solidFill>
+                          <a:schemeClr val="bg1"/>
+                        </a:solidFill>
+                      </a:endParaRPr>
+                    </a:p>
+                  </a:txBody>
+                  <a:tcPr/>
+                </a:tc>
+              </a:tr>
+              <a:tr h="370840">
+                <a:tc>
+                  <a:txBody>
+                    <a:bodyPr/>
+                    <a:lstStyle/>
+                    <a:p>
+                      <a:r>
+                        <a:rPr lang="tr-TR" dirty="0" smtClean="0">
+                          <a:solidFill>
+                            <a:schemeClr val="tx1"/>
+                          </a:solidFill>
+                        </a:rPr>
+                        <a:t>1</a:t>
+                      </a:r>
+                      <a:endParaRPr lang="tr-TR" dirty="0">
+                        <a:solidFill>
+                          <a:schemeClr val="tx1"/>
+                        </a:solidFill>
+                      </a:endParaRPr>
+                    </a:p>
+                  </a:txBody>
+                  <a:tcPr/>
+                </a:tc>
+                <a:tc>
+                  <a:txBody>
+                    <a:bodyPr/>
+                    <a:lstStyle/>
+                    <a:p>
+                      <a:r>
+                        <a:rPr lang="tr-TR" dirty="0" smtClean="0">
+                          <a:solidFill>
+                            <a:schemeClr val="tx1"/>
+                          </a:solidFill>
+                        </a:rPr>
+                        <a:t>87ms</a:t>
+                      </a:r>
+                      <a:endParaRPr lang="tr-TR" dirty="0">
+                        <a:solidFill>
+                          <a:schemeClr val="tx1"/>
+                        </a:solidFill>
+                      </a:endParaRPr>
+                    </a:p>
+                  </a:txBody>
+                  <a:tcPr/>
+                </a:tc>
+                <a:tc>
+                  <a:txBody>
+                    <a:bodyPr/>
+                    <a:lstStyle/>
+                    <a:p>
+                      <a:r>
+                        <a:rPr lang="tr-TR" dirty="0" smtClean="0">
+                          <a:solidFill>
+                            <a:schemeClr val="tx1"/>
+                          </a:solidFill>
+                        </a:rPr>
+                        <a:t>56ms</a:t>
+                      </a:r>
+                      <a:endParaRPr lang="tr-TR" dirty="0">
+                        <a:solidFill>
+                          <a:schemeClr val="tx1"/>
+                        </a:solidFill>
+                      </a:endParaRPr>
+                    </a:p>
+                  </a:txBody>
+                  <a:tcPr/>
+                </a:tc>
+                <a:tc>
+                  <a:txBody>
+                    <a:bodyPr/>
+                    <a:lstStyle/>
+                    <a:p>
+                      <a:r>
+                        <a:rPr lang="tr-TR" dirty="0" smtClean="0">
+                          <a:solidFill>
+                            <a:schemeClr val="tx1"/>
+                          </a:solidFill>
+                        </a:rPr>
+                        <a:t>1224ms</a:t>
+                      </a:r>
+                      <a:endParaRPr lang="tr-TR" dirty="0">
+                        <a:solidFill>
+                          <a:schemeClr val="tx1"/>
+                        </a:solidFill>
+                      </a:endParaRPr>
+                    </a:p>
+                  </a:txBody>
+                  <a:tcPr/>
+                </a:tc>
+              </a:tr>
+              <a:tr h="370840">
+                <a:tc>
+                  <a:txBody>
+                    <a:bodyPr/>
+                    <a:lstStyle/>
+                    <a:p>
+                      <a:r>
+                        <a:rPr lang="tr-TR" dirty="0" smtClean="0">
+                          <a:solidFill>
+                            <a:schemeClr val="tx1"/>
+                          </a:solidFill>
+                        </a:rPr>
+                        <a:t>2</a:t>
+                      </a:r>
+                      <a:endParaRPr lang="tr-TR" dirty="0">
+                        <a:solidFill>
+                          <a:schemeClr val="tx1"/>
+                        </a:solidFill>
+                      </a:endParaRPr>
+                    </a:p>
+                  </a:txBody>
+                  <a:tcPr/>
+                </a:tc>
+                <a:tc>
+                  <a:txBody>
+                    <a:bodyPr/>
+                    <a:lstStyle/>
+                    <a:p>
+                      <a:r>
+                        <a:rPr lang="tr-TR" dirty="0" smtClean="0">
+                          <a:solidFill>
+                            <a:schemeClr val="tx1"/>
+                          </a:solidFill>
+                        </a:rPr>
+                        <a:t>17ms</a:t>
+                      </a:r>
+                      <a:endParaRPr lang="tr-TR" dirty="0">
+                        <a:solidFill>
+                          <a:schemeClr val="tx1"/>
+                        </a:solidFill>
+                      </a:endParaRPr>
+                    </a:p>
+                  </a:txBody>
+                  <a:tcPr/>
+                </a:tc>
+                <a:tc>
+                  <a:txBody>
+                    <a:bodyPr/>
+                    <a:lstStyle/>
+                    <a:p>
+                      <a:r>
+                        <a:rPr lang="tr-TR" dirty="0" smtClean="0">
+                          <a:solidFill>
+                            <a:schemeClr val="tx1"/>
+                          </a:solidFill>
+                        </a:rPr>
+                        <a:t>0ms</a:t>
+                      </a:r>
+                      <a:endParaRPr lang="tr-TR" dirty="0">
+                        <a:solidFill>
+                          <a:schemeClr val="tx1"/>
+                        </a:solidFill>
+                      </a:endParaRPr>
+                    </a:p>
+                  </a:txBody>
+                  <a:tcPr/>
+                </a:tc>
+                <a:tc>
+                  <a:txBody>
+                    <a:bodyPr/>
+                    <a:lstStyle/>
+                    <a:p>
+                      <a:r>
+                        <a:rPr lang="tr-TR" dirty="0" smtClean="0">
+                          <a:solidFill>
+                            <a:schemeClr val="tx1"/>
+                          </a:solidFill>
+                        </a:rPr>
+                        <a:t>1ms</a:t>
+                      </a:r>
+                      <a:endParaRPr lang="tr-TR" dirty="0">
+                        <a:solidFill>
+                          <a:schemeClr val="tx1"/>
+                        </a:solidFill>
+                      </a:endParaRPr>
+                    </a:p>
+                  </a:txBody>
+                  <a:tcPr/>
+                </a:tc>
+              </a:tr>
+              <a:tr h="370840">
+                <a:tc>
+                  <a:txBody>
+                    <a:bodyPr/>
+                    <a:lstStyle/>
+                    <a:p>
+                      <a:r>
+                        <a:rPr lang="tr-TR" dirty="0" smtClean="0">
+                          <a:solidFill>
+                            <a:schemeClr val="tx1"/>
+                          </a:solidFill>
+                        </a:rPr>
+                        <a:t>3</a:t>
+                      </a:r>
+                      <a:endParaRPr lang="tr-TR" dirty="0">
+                        <a:solidFill>
+                          <a:schemeClr val="tx1"/>
+                        </a:solidFill>
+                      </a:endParaRPr>
+                    </a:p>
+                  </a:txBody>
+                  <a:tcPr/>
+                </a:tc>
+                <a:tc>
+                  <a:txBody>
+                    <a:bodyPr/>
+                    <a:lstStyle/>
+                    <a:p>
+                      <a:r>
+                        <a:rPr lang="tr-TR" dirty="0" smtClean="0">
+                          <a:solidFill>
+                            <a:schemeClr val="tx1"/>
+                          </a:solidFill>
+                        </a:rPr>
+                        <a:t>0ms</a:t>
+                      </a:r>
+                      <a:endParaRPr lang="tr-TR" dirty="0">
+                        <a:solidFill>
+                          <a:schemeClr val="tx1"/>
+                        </a:solidFill>
+                      </a:endParaRPr>
+                    </a:p>
+                  </a:txBody>
+                  <a:tcPr/>
+                </a:tc>
+                <a:tc>
+                  <a:txBody>
+                    <a:bodyPr/>
+                    <a:lstStyle/>
+                    <a:p>
+                      <a:r>
+                        <a:rPr lang="tr-TR" dirty="0" smtClean="0">
+                          <a:solidFill>
+                            <a:schemeClr val="tx1"/>
+                          </a:solidFill>
+                        </a:rPr>
+                        <a:t>0ms</a:t>
+                      </a:r>
+                      <a:endParaRPr lang="tr-TR" dirty="0">
+                        <a:solidFill>
+                          <a:schemeClr val="tx1"/>
+                        </a:solidFill>
+                      </a:endParaRPr>
+                    </a:p>
+                  </a:txBody>
+                  <a:tcPr/>
+                </a:tc>
+                <a:tc>
+                  <a:txBody>
+                    <a:bodyPr/>
+                    <a:lstStyle/>
+                    <a:p>
+                      <a:r>
+                        <a:rPr lang="tr-TR" dirty="0" smtClean="0">
+                          <a:solidFill>
+                            <a:schemeClr val="tx1"/>
+                          </a:solidFill>
+                        </a:rPr>
+                        <a:t>0ms</a:t>
+                      </a:r>
+                      <a:endParaRPr lang="tr-TR" dirty="0">
+                        <a:solidFill>
+                          <a:schemeClr val="tx1"/>
+                        </a:solidFill>
+                      </a:endParaRPr>
+                    </a:p>
+                  </a:txBody>
+                  <a:tcPr/>
+                </a:tc>
+              </a:tr>
+              <a:tr h="370840">
+                <a:tc>
+                  <a:txBody>
+                    <a:bodyPr/>
+                    <a:lstStyle/>
+                    <a:p>
+                      <a:r>
+                        <a:rPr lang="tr-TR" dirty="0" smtClean="0">
+                          <a:solidFill>
+                            <a:schemeClr val="tx1"/>
+                          </a:solidFill>
+                        </a:rPr>
+                        <a:t>4</a:t>
+                      </a:r>
+                      <a:endParaRPr lang="tr-TR" dirty="0">
+                        <a:solidFill>
+                          <a:schemeClr val="tx1"/>
+                        </a:solidFill>
+                      </a:endParaRPr>
+                    </a:p>
+                  </a:txBody>
+                  <a:tcPr/>
+                </a:tc>
+                <a:tc>
+                  <a:txBody>
+                    <a:bodyPr/>
+                    <a:lstStyle/>
+                    <a:p>
+                      <a:r>
+                        <a:rPr lang="tr-TR" dirty="0" smtClean="0">
+                          <a:solidFill>
+                            <a:schemeClr val="tx1"/>
+                          </a:solidFill>
+                        </a:rPr>
+                        <a:t>0ms</a:t>
+                      </a:r>
+                      <a:endParaRPr lang="tr-TR" dirty="0">
+                        <a:solidFill>
+                          <a:schemeClr val="tx1"/>
+                        </a:solidFill>
+                      </a:endParaRPr>
+                    </a:p>
+                  </a:txBody>
+                  <a:tcPr/>
+                </a:tc>
+                <a:tc>
+                  <a:txBody>
+                    <a:bodyPr/>
+                    <a:lstStyle/>
+                    <a:p>
+                      <a:r>
+                        <a:rPr lang="tr-TR" dirty="0" smtClean="0">
+                          <a:solidFill>
+                            <a:schemeClr val="tx1"/>
+                          </a:solidFill>
+                        </a:rPr>
+                        <a:t>0ms</a:t>
+                      </a:r>
+                      <a:endParaRPr lang="tr-TR" dirty="0">
+                        <a:solidFill>
+                          <a:schemeClr val="tx1"/>
+                        </a:solidFill>
+                      </a:endParaRPr>
+                    </a:p>
+                  </a:txBody>
+                  <a:tcPr/>
+                </a:tc>
+                <a:tc>
+                  <a:txBody>
+                    <a:bodyPr/>
+                    <a:lstStyle/>
+                    <a:p>
+                      <a:r>
+                        <a:rPr lang="tr-TR" dirty="0" smtClean="0">
+                          <a:solidFill>
+                            <a:schemeClr val="tx1"/>
+                          </a:solidFill>
+                        </a:rPr>
+                        <a:t>0ms</a:t>
+                      </a:r>
+                      <a:endParaRPr lang="tr-TR" dirty="0">
+                        <a:solidFill>
+                          <a:schemeClr val="tx1"/>
+                        </a:solidFill>
+                      </a:endParaRPr>
+                    </a:p>
+                  </a:txBody>
+                  <a:tcPr/>
+                </a:tc>
+              </a:tr>
+              <a:tr h="370840">
+                <a:tc>
+                  <a:txBody>
+                    <a:bodyPr/>
+                    <a:lstStyle/>
+                    <a:p>
+                      <a:r>
+                        <a:rPr lang="tr-TR" dirty="0" smtClean="0">
+                          <a:solidFill>
+                            <a:schemeClr val="tx1"/>
+                          </a:solidFill>
+                        </a:rPr>
+                        <a:t>5</a:t>
+                      </a:r>
+                      <a:endParaRPr lang="tr-TR" dirty="0">
+                        <a:solidFill>
+                          <a:schemeClr val="tx1"/>
+                        </a:solidFill>
+                      </a:endParaRPr>
+                    </a:p>
+                  </a:txBody>
+                  <a:tcPr/>
+                </a:tc>
+                <a:tc>
+                  <a:txBody>
+                    <a:bodyPr/>
+                    <a:lstStyle/>
+                    <a:p>
+                      <a:r>
+                        <a:rPr lang="tr-TR" dirty="0" smtClean="0">
+                          <a:solidFill>
+                            <a:schemeClr val="tx1"/>
+                          </a:solidFill>
+                        </a:rPr>
+                        <a:t>0ms</a:t>
+                      </a:r>
+                      <a:endParaRPr lang="tr-TR" dirty="0">
+                        <a:solidFill>
+                          <a:schemeClr val="tx1"/>
+                        </a:solidFill>
+                      </a:endParaRPr>
+                    </a:p>
+                  </a:txBody>
+                  <a:tcPr/>
+                </a:tc>
+                <a:tc>
+                  <a:txBody>
+                    <a:bodyPr/>
+                    <a:lstStyle/>
+                    <a:p>
+                      <a:r>
+                        <a:rPr lang="tr-TR" dirty="0" smtClean="0">
+                          <a:solidFill>
+                            <a:schemeClr val="tx1"/>
+                          </a:solidFill>
+                        </a:rPr>
+                        <a:t>0ms</a:t>
+                      </a:r>
+                      <a:endParaRPr lang="tr-TR" dirty="0">
+                        <a:solidFill>
+                          <a:schemeClr val="tx1"/>
+                        </a:solidFill>
+                      </a:endParaRPr>
+                    </a:p>
+                  </a:txBody>
+                  <a:tcPr/>
+                </a:tc>
+                <a:tc>
+                  <a:txBody>
+                    <a:bodyPr/>
+                    <a:lstStyle/>
+                    <a:p>
+                      <a:r>
+                        <a:rPr lang="tr-TR" dirty="0" smtClean="0">
+                          <a:solidFill>
+                            <a:schemeClr val="tx1"/>
+                          </a:solidFill>
+                        </a:rPr>
+                        <a:t>0ms</a:t>
+                      </a:r>
+                      <a:endParaRPr lang="tr-TR" dirty="0">
+                        <a:solidFill>
+                          <a:schemeClr val="tx1"/>
+                        </a:solidFill>
+                      </a:endParaRPr>
+                    </a:p>
+                  </a:txBody>
+                  <a:tcPr/>
+                </a:tc>
+              </a:tr>
+            </a:tbl>
+          </a:graphicData>
+        </a:graphic>
+      </p:graphicFrame>
+      <p:sp>
+        <p:nvSpPr>
+          <p:cNvPr id="6" name="Metin kutusu 5"/>
+          <p:cNvSpPr txBox="1"/>
+          <p:nvPr/>
         </p:nvSpPr>
         <p:spPr>
           <a:xfrm>
-            <a:off x="818712" y="3426864"/>
-            <a:ext cx="10554574" cy="2431934"/>
+            <a:off x="810000" y="5221480"/>
+            <a:ext cx="10571998" cy="892552"/>
+          </a:xfrm>
+          <a:prstGeom prst="rect">
+            <a:avLst/>
+          </a:prstGeom>
+          <a:noFill/>
+        </p:spPr>
+        <p:txBody>
+          <a:bodyPr wrap="square" rtlCol="0">
+            <a:spAutoFit/>
+          </a:bodyPr>
+          <a:lstStyle/>
+          <a:p>
+            <a:r>
+              <a:rPr lang="tr-TR" dirty="0" smtClean="0"/>
+              <a:t>100 satırlı tabloda 5 kez ‘Select’ sorgusu tekrarlandığında elde edilen veriler.</a:t>
+            </a:r>
+          </a:p>
+          <a:p>
+            <a:endParaRPr lang="tr-TR" dirty="0"/>
+          </a:p>
+          <a:p>
+            <a:r>
+              <a:rPr lang="tr-TR" sz="1600" dirty="0" smtClean="0"/>
+              <a:t>Tabloda ‘</a:t>
+            </a:r>
+            <a:r>
+              <a:rPr lang="tr-TR" sz="1600" dirty="0" err="1" smtClean="0"/>
+              <a:t>Id</a:t>
+            </a:r>
+            <a:r>
+              <a:rPr lang="tr-TR" sz="1600" dirty="0" smtClean="0"/>
+              <a:t>’, ‘Name’, ‘</a:t>
+            </a:r>
+            <a:r>
+              <a:rPr lang="tr-TR" sz="1600" dirty="0" err="1" smtClean="0"/>
+              <a:t>Surname</a:t>
+            </a:r>
+            <a:r>
+              <a:rPr lang="tr-TR" sz="1600" dirty="0" smtClean="0"/>
+              <a:t>’ sütunları bulunmaktadır.</a:t>
+            </a:r>
+            <a:endParaRPr lang="tr-TR" sz="1600" dirty="0"/>
+          </a:p>
+        </p:txBody>
+      </p:sp>
+    </p:spTree>
+    <p:extLst>
+      <p:ext uri="{BB962C8B-B14F-4D97-AF65-F5344CB8AC3E}">
+        <p14:creationId xmlns:p14="http://schemas.microsoft.com/office/powerpoint/2010/main" val="742871038"/>
+      </p:ext>
+    </p:extLst>
+  </p:cSld>
+  <p:clrMapOvr>
+    <a:masterClrMapping/>
+  </p:clrMapOvr>
+  <p:timing>
+    <p:tnLst>
+      <p:par>
+        <p:cTn id="1" dur="indefinite" restart="never" nodeType="tmRoot"/>
+      </p:par>
+    </p:tnLst>
+  </p:timing>
+</p:sld>
+</file>
+
+<file path=ppt/slides/slide43.xml><?xml version="1.0" encoding="utf-8"?>
+<p:sld xmlns:a="http://schemas.openxmlformats.org/drawingml/2006/main" xmlns:r="http://schemas.openxmlformats.org/officeDocument/2006/relationships" xmlns:p="http://schemas.openxmlformats.org/presentationml/2006/main">
+  <p:cSld>
+    <p:spTree>
+      <p:nvGrpSpPr>
+        <p:cNvPr id="1" name=""/>
+        <p:cNvGrpSpPr/>
+        <p:nvPr/>
+      </p:nvGrpSpPr>
+      <p:grpSpPr>
+        <a:xfrm>
+          <a:off x="0" y="0"/>
+          <a:ext cx="0" cy="0"/>
+          <a:chOff x="0" y="0"/>
+          <a:chExt cx="0" cy="0"/>
+        </a:xfrm>
+      </p:grpSpPr>
+      <p:sp>
+        <p:nvSpPr>
+          <p:cNvPr id="2" name="Unvan 1"/>
+          <p:cNvSpPr>
+            <a:spLocks noGrp="1"/>
+          </p:cNvSpPr>
+          <p:nvPr>
+            <p:ph type="title"/>
+          </p:nvPr>
+        </p:nvSpPr>
+        <p:spPr/>
+        <p:txBody>
+          <a:bodyPr/>
+          <a:lstStyle/>
+          <a:p>
+            <a:r>
+              <a:rPr lang="tr-TR" dirty="0" smtClean="0"/>
+              <a:t>ORM Araçlarının Karşılaştırılması - 5</a:t>
+            </a:r>
+            <a:endParaRPr lang="tr-TR" dirty="0"/>
+          </a:p>
+        </p:txBody>
+      </p:sp>
+      <p:graphicFrame>
+        <p:nvGraphicFramePr>
+          <p:cNvPr id="5" name="İçerik Yer Tutucusu 4"/>
+          <p:cNvGraphicFramePr>
+            <a:graphicFrameLocks noGrp="1"/>
+          </p:cNvGraphicFramePr>
+          <p:nvPr>
+            <p:ph idx="1"/>
+            <p:extLst>
+              <p:ext uri="{D42A27DB-BD31-4B8C-83A1-F6EECF244321}">
+                <p14:modId xmlns:p14="http://schemas.microsoft.com/office/powerpoint/2010/main" val="1602995241"/>
+              </p:ext>
+            </p:extLst>
+          </p:nvPr>
+        </p:nvGraphicFramePr>
+        <p:xfrm>
+          <a:off x="896062" y="2816978"/>
+          <a:ext cx="10553700" cy="2225040"/>
+        </p:xfrm>
+        <a:graphic>
+          <a:graphicData uri="http://schemas.openxmlformats.org/drawingml/2006/table">
+            <a:tbl>
+              <a:tblPr firstRow="1" bandRow="1">
+                <a:tableStyleId>{5C22544A-7EE6-4342-B048-85BDC9FD1C3A}</a:tableStyleId>
+              </a:tblPr>
+              <a:tblGrid>
+                <a:gridCol w="2638425"/>
+                <a:gridCol w="2638425"/>
+                <a:gridCol w="2638425"/>
+                <a:gridCol w="2638425"/>
+              </a:tblGrid>
+              <a:tr h="370840">
+                <a:tc>
+                  <a:txBody>
+                    <a:bodyPr/>
+                    <a:lstStyle/>
+                    <a:p>
+                      <a:r>
+                        <a:rPr lang="tr-TR" dirty="0" smtClean="0">
+                          <a:solidFill>
+                            <a:schemeClr val="bg1"/>
+                          </a:solidFill>
+                        </a:rPr>
+                        <a:t>Tekrar</a:t>
+                      </a:r>
+                      <a:endParaRPr lang="tr-TR" dirty="0">
+                        <a:solidFill>
+                          <a:schemeClr val="bg1"/>
+                        </a:solidFill>
+                      </a:endParaRPr>
+                    </a:p>
+                  </a:txBody>
+                  <a:tcPr/>
+                </a:tc>
+                <a:tc>
+                  <a:txBody>
+                    <a:bodyPr/>
+                    <a:lstStyle/>
+                    <a:p>
+                      <a:r>
+                        <a:rPr lang="tr-TR" dirty="0" err="1" smtClean="0">
+                          <a:solidFill>
+                            <a:schemeClr val="bg1"/>
+                          </a:solidFill>
+                        </a:rPr>
+                        <a:t>NHibernate</a:t>
+                      </a:r>
+                      <a:endParaRPr lang="tr-TR" dirty="0">
+                        <a:solidFill>
+                          <a:schemeClr val="bg1"/>
+                        </a:solidFill>
+                      </a:endParaRPr>
+                    </a:p>
+                  </a:txBody>
+                  <a:tcPr/>
+                </a:tc>
+                <a:tc>
+                  <a:txBody>
+                    <a:bodyPr/>
+                    <a:lstStyle/>
+                    <a:p>
+                      <a:r>
+                        <a:rPr lang="tr-TR" dirty="0" err="1" smtClean="0">
+                          <a:solidFill>
+                            <a:schemeClr val="bg1"/>
+                          </a:solidFill>
+                        </a:rPr>
+                        <a:t>Dapper</a:t>
+                      </a:r>
+                      <a:endParaRPr lang="tr-TR" dirty="0">
+                        <a:solidFill>
+                          <a:schemeClr val="bg1"/>
+                        </a:solidFill>
+                      </a:endParaRPr>
+                    </a:p>
+                  </a:txBody>
+                  <a:tcPr/>
+                </a:tc>
+                <a:tc>
+                  <a:txBody>
+                    <a:bodyPr/>
+                    <a:lstStyle/>
+                    <a:p>
+                      <a:r>
+                        <a:rPr lang="tr-TR" dirty="0" err="1" smtClean="0">
+                          <a:solidFill>
+                            <a:schemeClr val="bg1"/>
+                          </a:solidFill>
+                        </a:rPr>
+                        <a:t>Entity</a:t>
+                      </a:r>
+                      <a:r>
+                        <a:rPr lang="tr-TR" dirty="0" smtClean="0">
+                          <a:solidFill>
+                            <a:schemeClr val="bg1"/>
+                          </a:solidFill>
+                        </a:rPr>
+                        <a:t> Framework</a:t>
+                      </a:r>
+                      <a:endParaRPr lang="tr-TR" dirty="0">
+                        <a:solidFill>
+                          <a:schemeClr val="bg1"/>
+                        </a:solidFill>
+                      </a:endParaRPr>
+                    </a:p>
+                  </a:txBody>
+                  <a:tcPr/>
+                </a:tc>
+              </a:tr>
+              <a:tr h="370840">
+                <a:tc>
+                  <a:txBody>
+                    <a:bodyPr/>
+                    <a:lstStyle/>
+                    <a:p>
+                      <a:r>
+                        <a:rPr lang="tr-TR" dirty="0" smtClean="0">
+                          <a:solidFill>
+                            <a:schemeClr val="tx1"/>
+                          </a:solidFill>
+                        </a:rPr>
+                        <a:t>1</a:t>
+                      </a:r>
+                      <a:endParaRPr lang="tr-TR" dirty="0">
+                        <a:solidFill>
+                          <a:schemeClr val="tx1"/>
+                        </a:solidFill>
+                      </a:endParaRPr>
+                    </a:p>
+                  </a:txBody>
+                  <a:tcPr/>
+                </a:tc>
+                <a:tc>
+                  <a:txBody>
+                    <a:bodyPr/>
+                    <a:lstStyle/>
+                    <a:p>
+                      <a:r>
+                        <a:rPr lang="tr-TR" dirty="0" smtClean="0">
+                          <a:solidFill>
+                            <a:schemeClr val="tx1"/>
+                          </a:solidFill>
+                        </a:rPr>
+                        <a:t>94ms</a:t>
+                      </a:r>
+                      <a:endParaRPr lang="tr-TR" dirty="0">
+                        <a:solidFill>
+                          <a:schemeClr val="tx1"/>
+                        </a:solidFill>
+                      </a:endParaRPr>
+                    </a:p>
+                  </a:txBody>
+                  <a:tcPr/>
+                </a:tc>
+                <a:tc>
+                  <a:txBody>
+                    <a:bodyPr/>
+                    <a:lstStyle/>
+                    <a:p>
+                      <a:r>
+                        <a:rPr lang="tr-TR" dirty="0" smtClean="0">
+                          <a:solidFill>
+                            <a:schemeClr val="tx1"/>
+                          </a:solidFill>
+                        </a:rPr>
+                        <a:t>66ms</a:t>
+                      </a:r>
+                      <a:endParaRPr lang="tr-TR" dirty="0">
+                        <a:solidFill>
+                          <a:schemeClr val="tx1"/>
+                        </a:solidFill>
+                      </a:endParaRPr>
+                    </a:p>
+                  </a:txBody>
+                  <a:tcPr/>
+                </a:tc>
+                <a:tc>
+                  <a:txBody>
+                    <a:bodyPr/>
+                    <a:lstStyle/>
+                    <a:p>
+                      <a:r>
+                        <a:rPr lang="tr-TR" dirty="0" smtClean="0">
+                          <a:solidFill>
+                            <a:schemeClr val="tx1"/>
+                          </a:solidFill>
+                        </a:rPr>
+                        <a:t>1243ms</a:t>
+                      </a:r>
+                      <a:endParaRPr lang="tr-TR" dirty="0">
+                        <a:solidFill>
+                          <a:schemeClr val="tx1"/>
+                        </a:solidFill>
+                      </a:endParaRPr>
+                    </a:p>
+                  </a:txBody>
+                  <a:tcPr/>
+                </a:tc>
+              </a:tr>
+              <a:tr h="370840">
+                <a:tc>
+                  <a:txBody>
+                    <a:bodyPr/>
+                    <a:lstStyle/>
+                    <a:p>
+                      <a:r>
+                        <a:rPr lang="tr-TR" dirty="0" smtClean="0">
+                          <a:solidFill>
+                            <a:schemeClr val="tx1"/>
+                          </a:solidFill>
+                        </a:rPr>
+                        <a:t>2</a:t>
+                      </a:r>
+                      <a:endParaRPr lang="tr-TR" dirty="0">
+                        <a:solidFill>
+                          <a:schemeClr val="tx1"/>
+                        </a:solidFill>
+                      </a:endParaRPr>
+                    </a:p>
+                  </a:txBody>
+                  <a:tcPr/>
+                </a:tc>
+                <a:tc>
+                  <a:txBody>
+                    <a:bodyPr/>
+                    <a:lstStyle/>
+                    <a:p>
+                      <a:r>
+                        <a:rPr lang="tr-TR" dirty="0" smtClean="0">
+                          <a:solidFill>
+                            <a:schemeClr val="tx1"/>
+                          </a:solidFill>
+                        </a:rPr>
+                        <a:t>19ms</a:t>
+                      </a:r>
+                      <a:endParaRPr lang="tr-TR" dirty="0">
+                        <a:solidFill>
+                          <a:schemeClr val="tx1"/>
+                        </a:solidFill>
+                      </a:endParaRPr>
+                    </a:p>
+                  </a:txBody>
+                  <a:tcPr/>
+                </a:tc>
+                <a:tc>
+                  <a:txBody>
+                    <a:bodyPr/>
+                    <a:lstStyle/>
+                    <a:p>
+                      <a:r>
+                        <a:rPr lang="tr-TR" dirty="0" smtClean="0">
+                          <a:solidFill>
+                            <a:schemeClr val="tx1"/>
+                          </a:solidFill>
+                        </a:rPr>
+                        <a:t>1ms</a:t>
+                      </a:r>
+                      <a:endParaRPr lang="tr-TR" dirty="0">
+                        <a:solidFill>
+                          <a:schemeClr val="tx1"/>
+                        </a:solidFill>
+                      </a:endParaRPr>
+                    </a:p>
+                  </a:txBody>
+                  <a:tcPr/>
+                </a:tc>
+                <a:tc>
+                  <a:txBody>
+                    <a:bodyPr/>
+                    <a:lstStyle/>
+                    <a:p>
+                      <a:r>
+                        <a:rPr lang="tr-TR" dirty="0" smtClean="0">
+                          <a:solidFill>
+                            <a:schemeClr val="tx1"/>
+                          </a:solidFill>
+                        </a:rPr>
+                        <a:t>2ms</a:t>
+                      </a:r>
+                      <a:endParaRPr lang="tr-TR" dirty="0">
+                        <a:solidFill>
+                          <a:schemeClr val="tx1"/>
+                        </a:solidFill>
+                      </a:endParaRPr>
+                    </a:p>
+                  </a:txBody>
+                  <a:tcPr/>
+                </a:tc>
+              </a:tr>
+              <a:tr h="370840">
+                <a:tc>
+                  <a:txBody>
+                    <a:bodyPr/>
+                    <a:lstStyle/>
+                    <a:p>
+                      <a:r>
+                        <a:rPr lang="tr-TR" dirty="0" smtClean="0">
+                          <a:solidFill>
+                            <a:schemeClr val="tx1"/>
+                          </a:solidFill>
+                        </a:rPr>
+                        <a:t>3</a:t>
+                      </a:r>
+                      <a:endParaRPr lang="tr-TR" dirty="0">
+                        <a:solidFill>
+                          <a:schemeClr val="tx1"/>
+                        </a:solidFill>
+                      </a:endParaRPr>
+                    </a:p>
+                  </a:txBody>
+                  <a:tcPr/>
+                </a:tc>
+                <a:tc>
+                  <a:txBody>
+                    <a:bodyPr/>
+                    <a:lstStyle/>
+                    <a:p>
+                      <a:r>
+                        <a:rPr lang="tr-TR" dirty="0" smtClean="0">
+                          <a:solidFill>
+                            <a:schemeClr val="tx1"/>
+                          </a:solidFill>
+                        </a:rPr>
+                        <a:t>1ms</a:t>
+                      </a:r>
+                      <a:endParaRPr lang="tr-TR" dirty="0">
+                        <a:solidFill>
+                          <a:schemeClr val="tx1"/>
+                        </a:solidFill>
+                      </a:endParaRPr>
+                    </a:p>
+                  </a:txBody>
+                  <a:tcPr/>
+                </a:tc>
+                <a:tc>
+                  <a:txBody>
+                    <a:bodyPr/>
+                    <a:lstStyle/>
+                    <a:p>
+                      <a:r>
+                        <a:rPr lang="tr-TR" dirty="0" smtClean="0">
+                          <a:solidFill>
+                            <a:schemeClr val="tx1"/>
+                          </a:solidFill>
+                        </a:rPr>
+                        <a:t>1ms</a:t>
+                      </a:r>
+                      <a:endParaRPr lang="tr-TR" dirty="0">
+                        <a:solidFill>
+                          <a:schemeClr val="tx1"/>
+                        </a:solidFill>
+                      </a:endParaRPr>
+                    </a:p>
+                  </a:txBody>
+                  <a:tcPr/>
+                </a:tc>
+                <a:tc>
+                  <a:txBody>
+                    <a:bodyPr/>
+                    <a:lstStyle/>
+                    <a:p>
+                      <a:r>
+                        <a:rPr lang="tr-TR" dirty="0" smtClean="0">
+                          <a:solidFill>
+                            <a:schemeClr val="tx1"/>
+                          </a:solidFill>
+                        </a:rPr>
+                        <a:t>1ms</a:t>
+                      </a:r>
+                      <a:endParaRPr lang="tr-TR" dirty="0">
+                        <a:solidFill>
+                          <a:schemeClr val="tx1"/>
+                        </a:solidFill>
+                      </a:endParaRPr>
+                    </a:p>
+                  </a:txBody>
+                  <a:tcPr/>
+                </a:tc>
+              </a:tr>
+              <a:tr h="370840">
+                <a:tc>
+                  <a:txBody>
+                    <a:bodyPr/>
+                    <a:lstStyle/>
+                    <a:p>
+                      <a:r>
+                        <a:rPr lang="tr-TR" dirty="0" smtClean="0">
+                          <a:solidFill>
+                            <a:schemeClr val="tx1"/>
+                          </a:solidFill>
+                        </a:rPr>
+                        <a:t>4</a:t>
+                      </a:r>
+                      <a:endParaRPr lang="tr-TR" dirty="0">
+                        <a:solidFill>
+                          <a:schemeClr val="tx1"/>
+                        </a:solidFill>
+                      </a:endParaRPr>
+                    </a:p>
+                  </a:txBody>
+                  <a:tcPr/>
+                </a:tc>
+                <a:tc>
+                  <a:txBody>
+                    <a:bodyPr/>
+                    <a:lstStyle/>
+                    <a:p>
+                      <a:r>
+                        <a:rPr lang="tr-TR" dirty="0" smtClean="0">
+                          <a:solidFill>
+                            <a:schemeClr val="tx1"/>
+                          </a:solidFill>
+                        </a:rPr>
+                        <a:t>1ms</a:t>
+                      </a:r>
+                      <a:endParaRPr lang="tr-TR" dirty="0">
+                        <a:solidFill>
+                          <a:schemeClr val="tx1"/>
+                        </a:solidFill>
+                      </a:endParaRPr>
+                    </a:p>
+                  </a:txBody>
+                  <a:tcPr/>
+                </a:tc>
+                <a:tc>
+                  <a:txBody>
+                    <a:bodyPr/>
+                    <a:lstStyle/>
+                    <a:p>
+                      <a:r>
+                        <a:rPr lang="tr-TR" dirty="0" smtClean="0">
+                          <a:solidFill>
+                            <a:schemeClr val="tx1"/>
+                          </a:solidFill>
+                        </a:rPr>
+                        <a:t>1ms</a:t>
+                      </a:r>
+                      <a:endParaRPr lang="tr-TR" dirty="0">
+                        <a:solidFill>
+                          <a:schemeClr val="tx1"/>
+                        </a:solidFill>
+                      </a:endParaRPr>
+                    </a:p>
+                  </a:txBody>
+                  <a:tcPr/>
+                </a:tc>
+                <a:tc>
+                  <a:txBody>
+                    <a:bodyPr/>
+                    <a:lstStyle/>
+                    <a:p>
+                      <a:r>
+                        <a:rPr lang="tr-TR" dirty="0" smtClean="0">
+                          <a:solidFill>
+                            <a:schemeClr val="tx1"/>
+                          </a:solidFill>
+                        </a:rPr>
+                        <a:t>1ms</a:t>
+                      </a:r>
+                      <a:endParaRPr lang="tr-TR" dirty="0">
+                        <a:solidFill>
+                          <a:schemeClr val="tx1"/>
+                        </a:solidFill>
+                      </a:endParaRPr>
+                    </a:p>
+                  </a:txBody>
+                  <a:tcPr/>
+                </a:tc>
+              </a:tr>
+              <a:tr h="370840">
+                <a:tc>
+                  <a:txBody>
+                    <a:bodyPr/>
+                    <a:lstStyle/>
+                    <a:p>
+                      <a:r>
+                        <a:rPr lang="tr-TR" dirty="0" smtClean="0">
+                          <a:solidFill>
+                            <a:schemeClr val="tx1"/>
+                          </a:solidFill>
+                        </a:rPr>
+                        <a:t>5</a:t>
+                      </a:r>
+                      <a:endParaRPr lang="tr-TR" dirty="0">
+                        <a:solidFill>
+                          <a:schemeClr val="tx1"/>
+                        </a:solidFill>
+                      </a:endParaRPr>
+                    </a:p>
+                  </a:txBody>
+                  <a:tcPr/>
+                </a:tc>
+                <a:tc>
+                  <a:txBody>
+                    <a:bodyPr/>
+                    <a:lstStyle/>
+                    <a:p>
+                      <a:r>
+                        <a:rPr lang="tr-TR" dirty="0" smtClean="0">
+                          <a:solidFill>
+                            <a:schemeClr val="tx1"/>
+                          </a:solidFill>
+                        </a:rPr>
+                        <a:t>1ms</a:t>
+                      </a:r>
+                      <a:endParaRPr lang="tr-TR" dirty="0">
+                        <a:solidFill>
+                          <a:schemeClr val="tx1"/>
+                        </a:solidFill>
+                      </a:endParaRPr>
+                    </a:p>
+                  </a:txBody>
+                  <a:tcPr/>
+                </a:tc>
+                <a:tc>
+                  <a:txBody>
+                    <a:bodyPr/>
+                    <a:lstStyle/>
+                    <a:p>
+                      <a:r>
+                        <a:rPr lang="tr-TR" dirty="0" smtClean="0">
+                          <a:solidFill>
+                            <a:schemeClr val="tx1"/>
+                          </a:solidFill>
+                        </a:rPr>
+                        <a:t>1ms</a:t>
+                      </a:r>
+                      <a:endParaRPr lang="tr-TR" dirty="0">
+                        <a:solidFill>
+                          <a:schemeClr val="tx1"/>
+                        </a:solidFill>
+                      </a:endParaRPr>
+                    </a:p>
+                  </a:txBody>
+                  <a:tcPr/>
+                </a:tc>
+                <a:tc>
+                  <a:txBody>
+                    <a:bodyPr/>
+                    <a:lstStyle/>
+                    <a:p>
+                      <a:r>
+                        <a:rPr lang="tr-TR" dirty="0" smtClean="0">
+                          <a:solidFill>
+                            <a:schemeClr val="tx1"/>
+                          </a:solidFill>
+                        </a:rPr>
+                        <a:t>1ms</a:t>
+                      </a:r>
+                      <a:endParaRPr lang="tr-TR" dirty="0">
+                        <a:solidFill>
+                          <a:schemeClr val="tx1"/>
+                        </a:solidFill>
+                      </a:endParaRPr>
+                    </a:p>
+                  </a:txBody>
+                  <a:tcPr/>
+                </a:tc>
+              </a:tr>
+            </a:tbl>
+          </a:graphicData>
+        </a:graphic>
+      </p:graphicFrame>
+      <p:sp>
+        <p:nvSpPr>
+          <p:cNvPr id="6" name="Metin kutusu 5"/>
+          <p:cNvSpPr txBox="1"/>
+          <p:nvPr/>
+        </p:nvSpPr>
+        <p:spPr>
+          <a:xfrm>
+            <a:off x="810000" y="5221480"/>
+            <a:ext cx="10571998" cy="892552"/>
+          </a:xfrm>
+          <a:prstGeom prst="rect">
+            <a:avLst/>
+          </a:prstGeom>
+          <a:noFill/>
+        </p:spPr>
+        <p:txBody>
+          <a:bodyPr wrap="square" rtlCol="0">
+            <a:spAutoFit/>
+          </a:bodyPr>
+          <a:lstStyle/>
+          <a:p>
+            <a:r>
+              <a:rPr lang="tr-TR" dirty="0" smtClean="0"/>
+              <a:t>1000 satırlı tabloda 5 kez ‘Select’ sorgusu tekrarlandığında elde edilen veriler.</a:t>
+            </a:r>
+          </a:p>
+          <a:p>
+            <a:endParaRPr lang="tr-TR" dirty="0"/>
+          </a:p>
+          <a:p>
+            <a:r>
+              <a:rPr lang="tr-TR" sz="1600" dirty="0" smtClean="0"/>
+              <a:t>Tabloda ‘</a:t>
+            </a:r>
+            <a:r>
+              <a:rPr lang="tr-TR" sz="1600" dirty="0" err="1" smtClean="0"/>
+              <a:t>Id</a:t>
+            </a:r>
+            <a:r>
+              <a:rPr lang="tr-TR" sz="1600" dirty="0" smtClean="0"/>
+              <a:t>’, ‘Name’, ‘</a:t>
+            </a:r>
+            <a:r>
+              <a:rPr lang="tr-TR" sz="1600" dirty="0" err="1" smtClean="0"/>
+              <a:t>Surname</a:t>
+            </a:r>
+            <a:r>
+              <a:rPr lang="tr-TR" sz="1600" dirty="0" smtClean="0"/>
+              <a:t>’ sütunları bulunmaktadır.</a:t>
+            </a:r>
+            <a:endParaRPr lang="tr-TR" sz="1600" dirty="0"/>
+          </a:p>
+        </p:txBody>
+      </p:sp>
+    </p:spTree>
+    <p:extLst>
+      <p:ext uri="{BB962C8B-B14F-4D97-AF65-F5344CB8AC3E}">
+        <p14:creationId xmlns:p14="http://schemas.microsoft.com/office/powerpoint/2010/main" val="804296161"/>
+      </p:ext>
+    </p:extLst>
+  </p:cSld>
+  <p:clrMapOvr>
+    <a:masterClrMapping/>
+  </p:clrMapOvr>
+  <p:timing>
+    <p:tnLst>
+      <p:par>
+        <p:cTn id="1" dur="indefinite" restart="never" nodeType="tmRoot"/>
+      </p:par>
+    </p:tnLst>
+  </p:timing>
+</p:sld>
+</file>
+
+<file path=ppt/slides/slide44.xml><?xml version="1.0" encoding="utf-8"?>
+<p:sld xmlns:a="http://schemas.openxmlformats.org/drawingml/2006/main" xmlns:r="http://schemas.openxmlformats.org/officeDocument/2006/relationships" xmlns:p="http://schemas.openxmlformats.org/presentationml/2006/main">
+  <p:cSld>
+    <p:spTree>
+      <p:nvGrpSpPr>
+        <p:cNvPr id="1" name=""/>
+        <p:cNvGrpSpPr/>
+        <p:nvPr/>
+      </p:nvGrpSpPr>
+      <p:grpSpPr>
+        <a:xfrm>
+          <a:off x="0" y="0"/>
+          <a:ext cx="0" cy="0"/>
+          <a:chOff x="0" y="0"/>
+          <a:chExt cx="0" cy="0"/>
+        </a:xfrm>
+      </p:grpSpPr>
+      <p:sp>
+        <p:nvSpPr>
+          <p:cNvPr id="2" name="Unvan 1"/>
+          <p:cNvSpPr>
+            <a:spLocks noGrp="1"/>
+          </p:cNvSpPr>
+          <p:nvPr>
+            <p:ph type="title"/>
+          </p:nvPr>
+        </p:nvSpPr>
+        <p:spPr/>
+        <p:txBody>
+          <a:bodyPr/>
+          <a:lstStyle/>
+          <a:p>
+            <a:r>
+              <a:rPr lang="tr-TR" dirty="0" smtClean="0"/>
+              <a:t>ORM Araçlarının Karşılaştırılması - 6</a:t>
+            </a:r>
+            <a:endParaRPr lang="tr-TR" dirty="0"/>
+          </a:p>
+        </p:txBody>
+      </p:sp>
+      <p:graphicFrame>
+        <p:nvGraphicFramePr>
+          <p:cNvPr id="4" name="İçerik Yer Tutucusu 3"/>
+          <p:cNvGraphicFramePr>
+            <a:graphicFrameLocks noGrp="1"/>
+          </p:cNvGraphicFramePr>
+          <p:nvPr>
+            <p:ph idx="1"/>
+            <p:extLst>
+              <p:ext uri="{D42A27DB-BD31-4B8C-83A1-F6EECF244321}">
+                <p14:modId xmlns:p14="http://schemas.microsoft.com/office/powerpoint/2010/main" val="3548573635"/>
+              </p:ext>
+            </p:extLst>
+          </p:nvPr>
+        </p:nvGraphicFramePr>
+        <p:xfrm>
+          <a:off x="819150" y="2222500"/>
+          <a:ext cx="10553700" cy="2966720"/>
+        </p:xfrm>
+        <a:graphic>
+          <a:graphicData uri="http://schemas.openxmlformats.org/drawingml/2006/table">
+            <a:tbl>
+              <a:tblPr firstRow="1" bandRow="1">
+                <a:tableStyleId>{5C22544A-7EE6-4342-B048-85BDC9FD1C3A}</a:tableStyleId>
+              </a:tblPr>
+              <a:tblGrid>
+                <a:gridCol w="2110740"/>
+                <a:gridCol w="2110740"/>
+                <a:gridCol w="2110740"/>
+                <a:gridCol w="2110740"/>
+                <a:gridCol w="2110740"/>
+              </a:tblGrid>
+              <a:tr h="370840">
+                <a:tc>
+                  <a:txBody>
+                    <a:bodyPr/>
+                    <a:lstStyle/>
+                    <a:p>
+                      <a:r>
+                        <a:rPr lang="tr-TR" dirty="0" smtClean="0">
+                          <a:solidFill>
+                            <a:schemeClr val="bg1"/>
+                          </a:solidFill>
+                        </a:rPr>
+                        <a:t>Tekrar</a:t>
+                      </a:r>
+                      <a:endParaRPr lang="tr-TR" dirty="0">
+                        <a:solidFill>
+                          <a:schemeClr val="bg1"/>
+                        </a:solidFill>
+                      </a:endParaRPr>
+                    </a:p>
+                  </a:txBody>
+                  <a:tcPr/>
+                </a:tc>
+                <a:tc>
+                  <a:txBody>
+                    <a:bodyPr/>
+                    <a:lstStyle/>
+                    <a:p>
+                      <a:r>
+                        <a:rPr lang="tr-TR" dirty="0" err="1" smtClean="0">
+                          <a:solidFill>
+                            <a:schemeClr val="bg1"/>
+                          </a:solidFill>
+                        </a:rPr>
+                        <a:t>NHibernate</a:t>
+                      </a:r>
+                      <a:endParaRPr lang="tr-TR" dirty="0">
+                        <a:solidFill>
+                          <a:schemeClr val="bg1"/>
+                        </a:solidFill>
+                      </a:endParaRPr>
+                    </a:p>
+                  </a:txBody>
+                  <a:tcPr/>
+                </a:tc>
+                <a:tc>
+                  <a:txBody>
+                    <a:bodyPr/>
+                    <a:lstStyle/>
+                    <a:p>
+                      <a:r>
+                        <a:rPr lang="tr-TR" dirty="0" err="1" smtClean="0">
+                          <a:solidFill>
+                            <a:schemeClr val="bg1"/>
+                          </a:solidFill>
+                        </a:rPr>
+                        <a:t>Dapper</a:t>
+                      </a:r>
+                      <a:endParaRPr lang="tr-TR" dirty="0">
+                        <a:solidFill>
+                          <a:schemeClr val="bg1"/>
+                        </a:solidFill>
+                      </a:endParaRPr>
+                    </a:p>
+                  </a:txBody>
+                  <a:tcPr/>
+                </a:tc>
+                <a:tc>
+                  <a:txBody>
+                    <a:bodyPr/>
+                    <a:lstStyle/>
+                    <a:p>
+                      <a:r>
+                        <a:rPr lang="tr-TR" dirty="0" err="1" smtClean="0">
+                          <a:solidFill>
+                            <a:schemeClr val="bg1"/>
+                          </a:solidFill>
+                        </a:rPr>
+                        <a:t>Entity</a:t>
+                      </a:r>
+                      <a:r>
+                        <a:rPr lang="tr-TR" baseline="0" dirty="0" smtClean="0">
+                          <a:solidFill>
+                            <a:schemeClr val="bg1"/>
+                          </a:solidFill>
+                        </a:rPr>
+                        <a:t> Framework</a:t>
+                      </a:r>
+                      <a:endParaRPr lang="tr-TR" dirty="0">
+                        <a:solidFill>
+                          <a:schemeClr val="bg1"/>
+                        </a:solidFill>
+                      </a:endParaRPr>
+                    </a:p>
+                  </a:txBody>
+                  <a:tcPr/>
+                </a:tc>
+                <a:tc>
+                  <a:txBody>
+                    <a:bodyPr/>
+                    <a:lstStyle/>
+                    <a:p>
+                      <a:r>
+                        <a:rPr lang="tr-TR" dirty="0" err="1" smtClean="0">
+                          <a:solidFill>
+                            <a:schemeClr val="bg1"/>
+                          </a:solidFill>
+                        </a:rPr>
+                        <a:t>ADO.Net</a:t>
+                      </a:r>
+                      <a:endParaRPr lang="tr-TR" dirty="0">
+                        <a:solidFill>
+                          <a:schemeClr val="bg1"/>
+                        </a:solidFill>
+                      </a:endParaRPr>
+                    </a:p>
+                  </a:txBody>
+                  <a:tcPr/>
+                </a:tc>
+              </a:tr>
+              <a:tr h="370840">
+                <a:tc>
+                  <a:txBody>
+                    <a:bodyPr/>
+                    <a:lstStyle/>
+                    <a:p>
+                      <a:r>
+                        <a:rPr lang="tr-TR" dirty="0" smtClean="0">
+                          <a:solidFill>
+                            <a:schemeClr val="tx1"/>
+                          </a:solidFill>
+                        </a:rPr>
+                        <a:t>1</a:t>
+                      </a:r>
+                      <a:endParaRPr lang="tr-TR" dirty="0">
+                        <a:solidFill>
+                          <a:schemeClr val="tx1"/>
+                        </a:solidFill>
+                      </a:endParaRPr>
+                    </a:p>
+                  </a:txBody>
+                  <a:tcPr/>
+                </a:tc>
+                <a:tc>
+                  <a:txBody>
+                    <a:bodyPr/>
+                    <a:lstStyle/>
+                    <a:p>
+                      <a:r>
+                        <a:rPr lang="tr-TR" dirty="0" smtClean="0">
+                          <a:solidFill>
+                            <a:schemeClr val="tx1"/>
+                          </a:solidFill>
+                        </a:rPr>
+                        <a:t>1098ms</a:t>
+                      </a:r>
+                      <a:endParaRPr lang="tr-TR" dirty="0">
+                        <a:solidFill>
+                          <a:schemeClr val="tx1"/>
+                        </a:solidFill>
+                      </a:endParaRPr>
+                    </a:p>
+                  </a:txBody>
+                  <a:tcPr/>
+                </a:tc>
+                <a:tc>
+                  <a:txBody>
+                    <a:bodyPr/>
+                    <a:lstStyle/>
+                    <a:p>
+                      <a:r>
+                        <a:rPr lang="tr-TR" dirty="0" smtClean="0">
+                          <a:solidFill>
+                            <a:schemeClr val="tx1"/>
+                          </a:solidFill>
+                        </a:rPr>
+                        <a:t>199ms</a:t>
+                      </a:r>
+                      <a:endParaRPr lang="tr-TR" dirty="0">
+                        <a:solidFill>
+                          <a:schemeClr val="tx1"/>
+                        </a:solidFill>
+                      </a:endParaRPr>
+                    </a:p>
+                  </a:txBody>
+                  <a:tcPr/>
+                </a:tc>
+                <a:tc>
+                  <a:txBody>
+                    <a:bodyPr/>
+                    <a:lstStyle/>
+                    <a:p>
+                      <a:r>
+                        <a:rPr lang="tr-TR" dirty="0" smtClean="0">
+                          <a:solidFill>
+                            <a:schemeClr val="tx1"/>
+                          </a:solidFill>
+                        </a:rPr>
+                        <a:t>1983ms</a:t>
+                      </a:r>
+                      <a:endParaRPr lang="tr-TR" dirty="0">
+                        <a:solidFill>
+                          <a:schemeClr val="tx1"/>
+                        </a:solidFill>
+                      </a:endParaRPr>
+                    </a:p>
+                  </a:txBody>
+                  <a:tcPr/>
+                </a:tc>
+                <a:tc>
+                  <a:txBody>
+                    <a:bodyPr/>
+                    <a:lstStyle/>
+                    <a:p>
+                      <a:r>
+                        <a:rPr lang="tr-TR" dirty="0" smtClean="0">
+                          <a:solidFill>
+                            <a:schemeClr val="tx1"/>
+                          </a:solidFill>
+                        </a:rPr>
+                        <a:t>78ms</a:t>
+                      </a:r>
+                      <a:endParaRPr lang="tr-TR" dirty="0">
+                        <a:solidFill>
+                          <a:schemeClr val="tx1"/>
+                        </a:solidFill>
+                      </a:endParaRPr>
+                    </a:p>
+                  </a:txBody>
+                  <a:tcPr/>
+                </a:tc>
+              </a:tr>
+              <a:tr h="370840">
+                <a:tc>
+                  <a:txBody>
+                    <a:bodyPr/>
+                    <a:lstStyle/>
+                    <a:p>
+                      <a:r>
+                        <a:rPr lang="tr-TR" dirty="0" smtClean="0">
+                          <a:solidFill>
+                            <a:schemeClr val="tx1"/>
+                          </a:solidFill>
+                        </a:rPr>
+                        <a:t>2</a:t>
+                      </a:r>
+                      <a:endParaRPr lang="tr-TR" dirty="0">
+                        <a:solidFill>
+                          <a:schemeClr val="tx1"/>
+                        </a:solidFill>
+                      </a:endParaRPr>
+                    </a:p>
+                  </a:txBody>
+                  <a:tcPr/>
+                </a:tc>
+                <a:tc>
+                  <a:txBody>
+                    <a:bodyPr/>
+                    <a:lstStyle/>
+                    <a:p>
+                      <a:r>
+                        <a:rPr lang="tr-TR" dirty="0" smtClean="0">
+                          <a:solidFill>
+                            <a:schemeClr val="tx1"/>
+                          </a:solidFill>
+                        </a:rPr>
+                        <a:t>268ms</a:t>
+                      </a:r>
+                      <a:endParaRPr lang="tr-TR" dirty="0">
+                        <a:solidFill>
+                          <a:schemeClr val="tx1"/>
+                        </a:solidFill>
+                      </a:endParaRPr>
+                    </a:p>
+                  </a:txBody>
+                  <a:tcPr/>
+                </a:tc>
+                <a:tc>
+                  <a:txBody>
+                    <a:bodyPr/>
+                    <a:lstStyle/>
+                    <a:p>
+                      <a:r>
+                        <a:rPr lang="tr-TR" dirty="0" smtClean="0">
+                          <a:solidFill>
+                            <a:schemeClr val="tx1"/>
+                          </a:solidFill>
+                        </a:rPr>
+                        <a:t>146ms</a:t>
+                      </a:r>
+                      <a:endParaRPr lang="tr-TR" dirty="0">
+                        <a:solidFill>
+                          <a:schemeClr val="tx1"/>
+                        </a:solidFill>
+                      </a:endParaRPr>
+                    </a:p>
+                  </a:txBody>
+                  <a:tcPr/>
+                </a:tc>
+                <a:tc>
+                  <a:txBody>
+                    <a:bodyPr/>
+                    <a:lstStyle/>
+                    <a:p>
+                      <a:r>
+                        <a:rPr lang="tr-TR" dirty="0" smtClean="0">
+                          <a:solidFill>
+                            <a:schemeClr val="tx1"/>
+                          </a:solidFill>
+                        </a:rPr>
+                        <a:t>182ms</a:t>
+                      </a:r>
+                      <a:endParaRPr lang="tr-TR" dirty="0">
+                        <a:solidFill>
+                          <a:schemeClr val="tx1"/>
+                        </a:solidFill>
+                      </a:endParaRPr>
+                    </a:p>
+                  </a:txBody>
+                  <a:tcPr/>
+                </a:tc>
+                <a:tc>
+                  <a:txBody>
+                    <a:bodyPr/>
+                    <a:lstStyle/>
+                    <a:p>
+                      <a:r>
+                        <a:rPr lang="tr-TR" dirty="0" smtClean="0">
+                          <a:solidFill>
+                            <a:schemeClr val="tx1"/>
+                          </a:solidFill>
+                        </a:rPr>
+                        <a:t>78ms</a:t>
+                      </a:r>
+                      <a:endParaRPr lang="tr-TR" dirty="0">
+                        <a:solidFill>
+                          <a:schemeClr val="tx1"/>
+                        </a:solidFill>
+                      </a:endParaRPr>
+                    </a:p>
+                  </a:txBody>
+                  <a:tcPr/>
+                </a:tc>
+              </a:tr>
+              <a:tr h="370840">
+                <a:tc>
+                  <a:txBody>
+                    <a:bodyPr/>
+                    <a:lstStyle/>
+                    <a:p>
+                      <a:r>
+                        <a:rPr lang="tr-TR" dirty="0" smtClean="0">
+                          <a:solidFill>
+                            <a:schemeClr val="tx1"/>
+                          </a:solidFill>
+                        </a:rPr>
+                        <a:t>3</a:t>
+                      </a:r>
+                      <a:endParaRPr lang="tr-TR" dirty="0">
+                        <a:solidFill>
+                          <a:schemeClr val="tx1"/>
+                        </a:solidFill>
+                      </a:endParaRPr>
+                    </a:p>
+                  </a:txBody>
+                  <a:tcPr/>
+                </a:tc>
+                <a:tc>
+                  <a:txBody>
+                    <a:bodyPr/>
+                    <a:lstStyle/>
+                    <a:p>
+                      <a:r>
+                        <a:rPr lang="tr-TR" dirty="0" smtClean="0">
+                          <a:solidFill>
+                            <a:schemeClr val="tx1"/>
+                          </a:solidFill>
+                        </a:rPr>
+                        <a:t>214ms</a:t>
+                      </a:r>
+                      <a:endParaRPr lang="tr-TR" dirty="0">
+                        <a:solidFill>
+                          <a:schemeClr val="tx1"/>
+                        </a:solidFill>
+                      </a:endParaRPr>
+                    </a:p>
+                  </a:txBody>
+                  <a:tcPr/>
+                </a:tc>
+                <a:tc>
+                  <a:txBody>
+                    <a:bodyPr/>
+                    <a:lstStyle/>
+                    <a:p>
+                      <a:r>
+                        <a:rPr lang="tr-TR" dirty="0" smtClean="0">
+                          <a:solidFill>
+                            <a:schemeClr val="tx1"/>
+                          </a:solidFill>
+                        </a:rPr>
+                        <a:t>158ms</a:t>
+                      </a:r>
+                      <a:endParaRPr lang="tr-TR" dirty="0">
+                        <a:solidFill>
+                          <a:schemeClr val="tx1"/>
+                        </a:solidFill>
+                      </a:endParaRPr>
+                    </a:p>
+                  </a:txBody>
+                  <a:tcPr/>
+                </a:tc>
+                <a:tc>
+                  <a:txBody>
+                    <a:bodyPr/>
+                    <a:lstStyle/>
+                    <a:p>
+                      <a:r>
+                        <a:rPr lang="tr-TR" dirty="0" smtClean="0">
+                          <a:solidFill>
+                            <a:schemeClr val="tx1"/>
+                          </a:solidFill>
+                        </a:rPr>
+                        <a:t>113ms</a:t>
+                      </a:r>
+                      <a:endParaRPr lang="tr-TR" dirty="0">
+                        <a:solidFill>
+                          <a:schemeClr val="tx1"/>
+                        </a:solidFill>
+                      </a:endParaRPr>
+                    </a:p>
+                  </a:txBody>
+                  <a:tcPr/>
+                </a:tc>
+                <a:tc>
+                  <a:txBody>
+                    <a:bodyPr/>
+                    <a:lstStyle/>
+                    <a:p>
+                      <a:r>
+                        <a:rPr lang="tr-TR" dirty="0" smtClean="0">
+                          <a:solidFill>
+                            <a:schemeClr val="tx1"/>
+                          </a:solidFill>
+                        </a:rPr>
+                        <a:t>78ms</a:t>
+                      </a:r>
+                      <a:endParaRPr lang="tr-TR" dirty="0">
+                        <a:solidFill>
+                          <a:schemeClr val="tx1"/>
+                        </a:solidFill>
+                      </a:endParaRPr>
+                    </a:p>
+                  </a:txBody>
+                  <a:tcPr/>
+                </a:tc>
+              </a:tr>
+              <a:tr h="370840">
+                <a:tc>
+                  <a:txBody>
+                    <a:bodyPr/>
+                    <a:lstStyle/>
+                    <a:p>
+                      <a:r>
+                        <a:rPr lang="tr-TR" dirty="0" smtClean="0">
+                          <a:solidFill>
+                            <a:schemeClr val="tx1"/>
+                          </a:solidFill>
+                        </a:rPr>
+                        <a:t>4</a:t>
+                      </a:r>
+                      <a:endParaRPr lang="tr-TR" dirty="0">
+                        <a:solidFill>
+                          <a:schemeClr val="tx1"/>
+                        </a:solidFill>
+                      </a:endParaRPr>
+                    </a:p>
+                  </a:txBody>
+                  <a:tcPr/>
+                </a:tc>
+                <a:tc>
+                  <a:txBody>
+                    <a:bodyPr/>
+                    <a:lstStyle/>
+                    <a:p>
+                      <a:r>
+                        <a:rPr lang="tr-TR" dirty="0" smtClean="0">
+                          <a:solidFill>
+                            <a:schemeClr val="tx1"/>
+                          </a:solidFill>
+                        </a:rPr>
+                        <a:t>215ms</a:t>
+                      </a:r>
+                      <a:endParaRPr lang="tr-TR" dirty="0">
+                        <a:solidFill>
+                          <a:schemeClr val="tx1"/>
+                        </a:solidFill>
+                      </a:endParaRPr>
+                    </a:p>
+                  </a:txBody>
+                  <a:tcPr/>
+                </a:tc>
+                <a:tc>
+                  <a:txBody>
+                    <a:bodyPr/>
+                    <a:lstStyle/>
+                    <a:p>
+                      <a:r>
+                        <a:rPr lang="tr-TR" dirty="0" smtClean="0">
+                          <a:solidFill>
+                            <a:schemeClr val="tx1"/>
+                          </a:solidFill>
+                        </a:rPr>
+                        <a:t>172ms</a:t>
+                      </a:r>
+                      <a:endParaRPr lang="tr-TR" dirty="0">
+                        <a:solidFill>
+                          <a:schemeClr val="tx1"/>
+                        </a:solidFill>
+                      </a:endParaRPr>
+                    </a:p>
+                  </a:txBody>
+                  <a:tcPr/>
+                </a:tc>
+                <a:tc>
+                  <a:txBody>
+                    <a:bodyPr/>
+                    <a:lstStyle/>
+                    <a:p>
+                      <a:r>
+                        <a:rPr lang="tr-TR" dirty="0" smtClean="0">
+                          <a:solidFill>
+                            <a:schemeClr val="tx1"/>
+                          </a:solidFill>
+                        </a:rPr>
+                        <a:t>113ms</a:t>
+                      </a:r>
+                      <a:endParaRPr lang="tr-TR" dirty="0">
+                        <a:solidFill>
+                          <a:schemeClr val="tx1"/>
+                        </a:solidFill>
+                      </a:endParaRPr>
+                    </a:p>
+                  </a:txBody>
+                  <a:tcPr/>
+                </a:tc>
+                <a:tc>
+                  <a:txBody>
+                    <a:bodyPr/>
+                    <a:lstStyle/>
+                    <a:p>
+                      <a:r>
+                        <a:rPr lang="tr-TR" dirty="0" smtClean="0">
+                          <a:solidFill>
+                            <a:schemeClr val="tx1"/>
+                          </a:solidFill>
+                        </a:rPr>
+                        <a:t>78ms</a:t>
+                      </a:r>
+                      <a:endParaRPr lang="tr-TR" dirty="0">
+                        <a:solidFill>
+                          <a:schemeClr val="tx1"/>
+                        </a:solidFill>
+                      </a:endParaRPr>
+                    </a:p>
+                  </a:txBody>
+                  <a:tcPr/>
+                </a:tc>
+              </a:tr>
+              <a:tr h="370840">
+                <a:tc>
+                  <a:txBody>
+                    <a:bodyPr/>
+                    <a:lstStyle/>
+                    <a:p>
+                      <a:r>
+                        <a:rPr lang="tr-TR" dirty="0" smtClean="0">
+                          <a:solidFill>
+                            <a:schemeClr val="tx1"/>
+                          </a:solidFill>
+                        </a:rPr>
+                        <a:t>5</a:t>
+                      </a:r>
+                      <a:endParaRPr lang="tr-TR" dirty="0">
+                        <a:solidFill>
+                          <a:schemeClr val="tx1"/>
+                        </a:solidFill>
+                      </a:endParaRPr>
+                    </a:p>
+                  </a:txBody>
+                  <a:tcPr/>
+                </a:tc>
+                <a:tc>
+                  <a:txBody>
+                    <a:bodyPr/>
+                    <a:lstStyle/>
+                    <a:p>
+                      <a:r>
+                        <a:rPr lang="tr-TR" dirty="0" smtClean="0">
+                          <a:solidFill>
+                            <a:schemeClr val="tx1"/>
+                          </a:solidFill>
+                        </a:rPr>
+                        <a:t>213ms</a:t>
+                      </a:r>
+                      <a:endParaRPr lang="tr-TR" dirty="0">
+                        <a:solidFill>
+                          <a:schemeClr val="tx1"/>
+                        </a:solidFill>
+                      </a:endParaRPr>
+                    </a:p>
+                  </a:txBody>
+                  <a:tcPr/>
+                </a:tc>
+                <a:tc>
+                  <a:txBody>
+                    <a:bodyPr/>
+                    <a:lstStyle/>
+                    <a:p>
+                      <a:r>
+                        <a:rPr lang="tr-TR" dirty="0" smtClean="0">
+                          <a:solidFill>
+                            <a:schemeClr val="tx1"/>
+                          </a:solidFill>
+                        </a:rPr>
+                        <a:t>123ms</a:t>
+                      </a:r>
+                      <a:endParaRPr lang="tr-TR" dirty="0">
+                        <a:solidFill>
+                          <a:schemeClr val="tx1"/>
+                        </a:solidFill>
+                      </a:endParaRPr>
+                    </a:p>
+                  </a:txBody>
+                  <a:tcPr/>
+                </a:tc>
+                <a:tc>
+                  <a:txBody>
+                    <a:bodyPr/>
+                    <a:lstStyle/>
+                    <a:p>
+                      <a:r>
+                        <a:rPr lang="tr-TR" dirty="0" smtClean="0">
+                          <a:solidFill>
+                            <a:schemeClr val="tx1"/>
+                          </a:solidFill>
+                        </a:rPr>
+                        <a:t>112ms</a:t>
+                      </a:r>
+                      <a:endParaRPr lang="tr-TR" dirty="0">
+                        <a:solidFill>
+                          <a:schemeClr val="tx1"/>
+                        </a:solidFill>
+                      </a:endParaRPr>
+                    </a:p>
+                  </a:txBody>
+                  <a:tcPr/>
+                </a:tc>
+                <a:tc>
+                  <a:txBody>
+                    <a:bodyPr/>
+                    <a:lstStyle/>
+                    <a:p>
+                      <a:r>
+                        <a:rPr lang="tr-TR" dirty="0" smtClean="0">
+                          <a:solidFill>
+                            <a:schemeClr val="tx1"/>
+                          </a:solidFill>
+                        </a:rPr>
+                        <a:t>78ms</a:t>
+                      </a:r>
+                      <a:endParaRPr lang="tr-TR" dirty="0">
+                        <a:solidFill>
+                          <a:schemeClr val="tx1"/>
+                        </a:solidFill>
+                      </a:endParaRPr>
+                    </a:p>
+                  </a:txBody>
+                  <a:tcPr/>
+                </a:tc>
+              </a:tr>
+              <a:tr h="370840">
+                <a:tc>
+                  <a:txBody>
+                    <a:bodyPr/>
+                    <a:lstStyle/>
+                    <a:p>
+                      <a:r>
+                        <a:rPr lang="tr-TR" dirty="0" smtClean="0">
+                          <a:solidFill>
+                            <a:schemeClr val="tx1"/>
+                          </a:solidFill>
+                        </a:rPr>
+                        <a:t>6</a:t>
+                      </a:r>
+                      <a:endParaRPr lang="tr-TR" dirty="0">
+                        <a:solidFill>
+                          <a:schemeClr val="tx1"/>
+                        </a:solidFill>
+                      </a:endParaRPr>
+                    </a:p>
+                  </a:txBody>
+                  <a:tcPr/>
+                </a:tc>
+                <a:tc>
+                  <a:txBody>
+                    <a:bodyPr/>
+                    <a:lstStyle/>
+                    <a:p>
+                      <a:r>
+                        <a:rPr lang="tr-TR" dirty="0" smtClean="0">
+                          <a:solidFill>
+                            <a:schemeClr val="tx1"/>
+                          </a:solidFill>
+                        </a:rPr>
+                        <a:t>215ms</a:t>
+                      </a:r>
+                      <a:endParaRPr lang="tr-TR" dirty="0">
+                        <a:solidFill>
+                          <a:schemeClr val="tx1"/>
+                        </a:solidFill>
+                      </a:endParaRPr>
+                    </a:p>
+                  </a:txBody>
+                  <a:tcPr/>
+                </a:tc>
+                <a:tc>
+                  <a:txBody>
+                    <a:bodyPr/>
+                    <a:lstStyle/>
+                    <a:p>
+                      <a:r>
+                        <a:rPr lang="tr-TR" dirty="0" smtClean="0">
+                          <a:solidFill>
+                            <a:schemeClr val="tx1"/>
+                          </a:solidFill>
+                        </a:rPr>
+                        <a:t>168ms</a:t>
+                      </a:r>
+                      <a:endParaRPr lang="tr-TR" dirty="0">
+                        <a:solidFill>
+                          <a:schemeClr val="tx1"/>
+                        </a:solidFill>
+                      </a:endParaRPr>
+                    </a:p>
+                  </a:txBody>
+                  <a:tcPr/>
+                </a:tc>
+                <a:tc>
+                  <a:txBody>
+                    <a:bodyPr/>
+                    <a:lstStyle/>
+                    <a:p>
+                      <a:r>
+                        <a:rPr lang="tr-TR" dirty="0" smtClean="0">
+                          <a:solidFill>
+                            <a:schemeClr val="tx1"/>
+                          </a:solidFill>
+                        </a:rPr>
+                        <a:t>114ms</a:t>
+                      </a:r>
+                      <a:endParaRPr lang="tr-TR" dirty="0">
+                        <a:solidFill>
+                          <a:schemeClr val="tx1"/>
+                        </a:solidFill>
+                      </a:endParaRPr>
+                    </a:p>
+                  </a:txBody>
+                  <a:tcPr/>
+                </a:tc>
+                <a:tc>
+                  <a:txBody>
+                    <a:bodyPr/>
+                    <a:lstStyle/>
+                    <a:p>
+                      <a:r>
+                        <a:rPr lang="tr-TR" dirty="0" smtClean="0">
+                          <a:solidFill>
+                            <a:schemeClr val="tx1"/>
+                          </a:solidFill>
+                        </a:rPr>
+                        <a:t>78ms</a:t>
+                      </a:r>
+                      <a:endParaRPr lang="tr-TR" dirty="0">
+                        <a:solidFill>
+                          <a:schemeClr val="tx1"/>
+                        </a:solidFill>
+                      </a:endParaRPr>
+                    </a:p>
+                  </a:txBody>
+                  <a:tcPr/>
+                </a:tc>
+              </a:tr>
+              <a:tr h="370840">
+                <a:tc>
+                  <a:txBody>
+                    <a:bodyPr/>
+                    <a:lstStyle/>
+                    <a:p>
+                      <a:r>
+                        <a:rPr lang="tr-TR" dirty="0" smtClean="0">
+                          <a:solidFill>
+                            <a:schemeClr val="tx1"/>
+                          </a:solidFill>
+                        </a:rPr>
+                        <a:t>7</a:t>
+                      </a:r>
+                      <a:endParaRPr lang="tr-TR" dirty="0">
+                        <a:solidFill>
+                          <a:schemeClr val="tx1"/>
+                        </a:solidFill>
+                      </a:endParaRPr>
+                    </a:p>
+                  </a:txBody>
+                  <a:tcPr/>
+                </a:tc>
+                <a:tc>
+                  <a:txBody>
+                    <a:bodyPr/>
+                    <a:lstStyle/>
+                    <a:p>
+                      <a:r>
+                        <a:rPr lang="tr-TR" dirty="0" smtClean="0">
+                          <a:solidFill>
+                            <a:schemeClr val="tx1"/>
+                          </a:solidFill>
+                        </a:rPr>
+                        <a:t>228ms</a:t>
+                      </a:r>
+                      <a:endParaRPr lang="tr-TR" dirty="0">
+                        <a:solidFill>
+                          <a:schemeClr val="tx1"/>
+                        </a:solidFill>
+                      </a:endParaRPr>
+                    </a:p>
+                  </a:txBody>
+                  <a:tcPr/>
+                </a:tc>
+                <a:tc>
+                  <a:txBody>
+                    <a:bodyPr/>
+                    <a:lstStyle/>
+                    <a:p>
+                      <a:r>
+                        <a:rPr lang="tr-TR" dirty="0" smtClean="0">
+                          <a:solidFill>
+                            <a:schemeClr val="tx1"/>
+                          </a:solidFill>
+                        </a:rPr>
+                        <a:t>157ms</a:t>
+                      </a:r>
+                      <a:endParaRPr lang="tr-TR" dirty="0">
+                        <a:solidFill>
+                          <a:schemeClr val="tx1"/>
+                        </a:solidFill>
+                      </a:endParaRPr>
+                    </a:p>
+                  </a:txBody>
+                  <a:tcPr/>
+                </a:tc>
+                <a:tc>
+                  <a:txBody>
+                    <a:bodyPr/>
+                    <a:lstStyle/>
+                    <a:p>
+                      <a:r>
+                        <a:rPr lang="tr-TR" dirty="0" smtClean="0">
+                          <a:solidFill>
+                            <a:schemeClr val="tx1"/>
+                          </a:solidFill>
+                        </a:rPr>
+                        <a:t>112ms</a:t>
+                      </a:r>
+                      <a:endParaRPr lang="tr-TR" dirty="0">
+                        <a:solidFill>
+                          <a:schemeClr val="tx1"/>
+                        </a:solidFill>
+                      </a:endParaRPr>
+                    </a:p>
+                  </a:txBody>
+                  <a:tcPr/>
+                </a:tc>
+                <a:tc>
+                  <a:txBody>
+                    <a:bodyPr/>
+                    <a:lstStyle/>
+                    <a:p>
+                      <a:r>
+                        <a:rPr lang="tr-TR" dirty="0" smtClean="0">
+                          <a:solidFill>
+                            <a:schemeClr val="tx1"/>
+                          </a:solidFill>
+                        </a:rPr>
+                        <a:t>78ms</a:t>
+                      </a:r>
+                    </a:p>
+                  </a:txBody>
+                  <a:tcPr/>
+                </a:tc>
+              </a:tr>
+            </a:tbl>
+          </a:graphicData>
+        </a:graphic>
+      </p:graphicFrame>
+      <p:sp>
+        <p:nvSpPr>
+          <p:cNvPr id="5" name="Metin kutusu 4"/>
+          <p:cNvSpPr txBox="1"/>
+          <p:nvPr/>
+        </p:nvSpPr>
+        <p:spPr>
+          <a:xfrm>
+            <a:off x="810000" y="5281300"/>
+            <a:ext cx="10571998" cy="892552"/>
+          </a:xfrm>
+          <a:prstGeom prst="rect">
+            <a:avLst/>
+          </a:prstGeom>
+          <a:noFill/>
+        </p:spPr>
+        <p:txBody>
+          <a:bodyPr wrap="square" rtlCol="0">
+            <a:spAutoFit/>
+          </a:bodyPr>
+          <a:lstStyle/>
+          <a:p>
+            <a:r>
+              <a:rPr lang="tr-TR" dirty="0" smtClean="0"/>
+              <a:t>100.000 satırlı tabloda </a:t>
+            </a:r>
+            <a:r>
+              <a:rPr lang="tr-TR" dirty="0"/>
+              <a:t>7</a:t>
+            </a:r>
+            <a:r>
+              <a:rPr lang="tr-TR" dirty="0" smtClean="0"/>
+              <a:t> kez ‘Select’ sorgusu tekrarlandığında elde edilen veriler.</a:t>
+            </a:r>
+          </a:p>
+          <a:p>
+            <a:endParaRPr lang="tr-TR" dirty="0"/>
+          </a:p>
+          <a:p>
+            <a:r>
+              <a:rPr lang="tr-TR" sz="1600" dirty="0" smtClean="0"/>
+              <a:t>Tabloda ‘</a:t>
+            </a:r>
+            <a:r>
+              <a:rPr lang="tr-TR" sz="1600" dirty="0" err="1" smtClean="0"/>
+              <a:t>Id</a:t>
+            </a:r>
+            <a:r>
+              <a:rPr lang="tr-TR" sz="1600" dirty="0" smtClean="0"/>
+              <a:t>’, ‘Name’, ‘</a:t>
+            </a:r>
+            <a:r>
+              <a:rPr lang="tr-TR" sz="1600" dirty="0" err="1" smtClean="0"/>
+              <a:t>Surname</a:t>
+            </a:r>
+            <a:r>
+              <a:rPr lang="tr-TR" sz="1600" dirty="0" smtClean="0"/>
+              <a:t>’ sütunları bulunmaktadır.</a:t>
+            </a:r>
+            <a:endParaRPr lang="tr-TR" sz="1600" dirty="0"/>
+          </a:p>
+        </p:txBody>
+      </p:sp>
+    </p:spTree>
+    <p:extLst>
+      <p:ext uri="{BB962C8B-B14F-4D97-AF65-F5344CB8AC3E}">
+        <p14:creationId xmlns:p14="http://schemas.microsoft.com/office/powerpoint/2010/main" val="3490368161"/>
+      </p:ext>
+    </p:extLst>
+  </p:cSld>
+  <p:clrMapOvr>
+    <a:masterClrMapping/>
+  </p:clrMapOvr>
+  <p:timing>
+    <p:tnLst>
+      <p:par>
+        <p:cTn id="1" dur="indefinite" restart="never" nodeType="tmRoot"/>
+      </p:par>
+    </p:tnLst>
+  </p:timing>
+</p:sld>
+</file>
+
+<file path=ppt/slides/slide45.xml><?xml version="1.0" encoding="utf-8"?>
+<p:sld xmlns:a="http://schemas.openxmlformats.org/drawingml/2006/main" xmlns:r="http://schemas.openxmlformats.org/officeDocument/2006/relationships" xmlns:p="http://schemas.openxmlformats.org/presentationml/2006/main">
+  <p:cSld>
+    <p:spTree>
+      <p:nvGrpSpPr>
+        <p:cNvPr id="1" name=""/>
+        <p:cNvGrpSpPr/>
+        <p:nvPr/>
+      </p:nvGrpSpPr>
+      <p:grpSpPr>
+        <a:xfrm>
+          <a:off x="0" y="0"/>
+          <a:ext cx="0" cy="0"/>
+          <a:chOff x="0" y="0"/>
+          <a:chExt cx="0" cy="0"/>
+        </a:xfrm>
+      </p:grpSpPr>
+      <p:sp>
+        <p:nvSpPr>
+          <p:cNvPr id="2" name="Unvan 1"/>
+          <p:cNvSpPr>
+            <a:spLocks noGrp="1"/>
+          </p:cNvSpPr>
+          <p:nvPr>
+            <p:ph type="title"/>
+          </p:nvPr>
+        </p:nvSpPr>
+        <p:spPr/>
+        <p:txBody>
+          <a:bodyPr/>
+          <a:lstStyle/>
+          <a:p>
+            <a:r>
+              <a:rPr lang="tr-TR" dirty="0" smtClean="0"/>
+              <a:t>ORM Araçlarının Karşılaştırılması - 7</a:t>
+            </a:r>
+            <a:endParaRPr lang="tr-TR" dirty="0"/>
+          </a:p>
+        </p:txBody>
+      </p:sp>
+      <p:graphicFrame>
+        <p:nvGraphicFramePr>
+          <p:cNvPr id="4" name="İçerik Yer Tutucusu 3"/>
+          <p:cNvGraphicFramePr>
+            <a:graphicFrameLocks noGrp="1"/>
+          </p:cNvGraphicFramePr>
+          <p:nvPr>
+            <p:ph idx="1"/>
+            <p:extLst>
+              <p:ext uri="{D42A27DB-BD31-4B8C-83A1-F6EECF244321}">
+                <p14:modId xmlns:p14="http://schemas.microsoft.com/office/powerpoint/2010/main" val="2062966507"/>
+              </p:ext>
+            </p:extLst>
+          </p:nvPr>
+        </p:nvGraphicFramePr>
+        <p:xfrm>
+          <a:off x="819150" y="2222500"/>
+          <a:ext cx="10553700" cy="2966720"/>
+        </p:xfrm>
+        <a:graphic>
+          <a:graphicData uri="http://schemas.openxmlformats.org/drawingml/2006/table">
+            <a:tbl>
+              <a:tblPr firstRow="1" bandRow="1">
+                <a:tableStyleId>{5C22544A-7EE6-4342-B048-85BDC9FD1C3A}</a:tableStyleId>
+              </a:tblPr>
+              <a:tblGrid>
+                <a:gridCol w="2110740"/>
+                <a:gridCol w="2110740"/>
+                <a:gridCol w="2110740"/>
+                <a:gridCol w="2110740"/>
+                <a:gridCol w="2110740"/>
+              </a:tblGrid>
+              <a:tr h="370840">
+                <a:tc>
+                  <a:txBody>
+                    <a:bodyPr/>
+                    <a:lstStyle/>
+                    <a:p>
+                      <a:r>
+                        <a:rPr lang="tr-TR" dirty="0" smtClean="0">
+                          <a:solidFill>
+                            <a:schemeClr val="bg1"/>
+                          </a:solidFill>
+                        </a:rPr>
+                        <a:t>Tekrar</a:t>
+                      </a:r>
+                      <a:endParaRPr lang="tr-TR" dirty="0">
+                        <a:solidFill>
+                          <a:schemeClr val="bg1"/>
+                        </a:solidFill>
+                      </a:endParaRPr>
+                    </a:p>
+                  </a:txBody>
+                  <a:tcPr/>
+                </a:tc>
+                <a:tc>
+                  <a:txBody>
+                    <a:bodyPr/>
+                    <a:lstStyle/>
+                    <a:p>
+                      <a:r>
+                        <a:rPr lang="tr-TR" dirty="0" err="1" smtClean="0">
+                          <a:solidFill>
+                            <a:schemeClr val="bg1"/>
+                          </a:solidFill>
+                        </a:rPr>
+                        <a:t>NHibernate</a:t>
+                      </a:r>
+                      <a:endParaRPr lang="tr-TR" dirty="0">
+                        <a:solidFill>
+                          <a:schemeClr val="bg1"/>
+                        </a:solidFill>
+                      </a:endParaRPr>
+                    </a:p>
+                  </a:txBody>
+                  <a:tcPr/>
+                </a:tc>
+                <a:tc>
+                  <a:txBody>
+                    <a:bodyPr/>
+                    <a:lstStyle/>
+                    <a:p>
+                      <a:r>
+                        <a:rPr lang="tr-TR" dirty="0" err="1" smtClean="0">
+                          <a:solidFill>
+                            <a:schemeClr val="bg1"/>
+                          </a:solidFill>
+                        </a:rPr>
+                        <a:t>Dapper</a:t>
+                      </a:r>
+                      <a:endParaRPr lang="tr-TR" dirty="0">
+                        <a:solidFill>
+                          <a:schemeClr val="bg1"/>
+                        </a:solidFill>
+                      </a:endParaRPr>
+                    </a:p>
+                  </a:txBody>
+                  <a:tcPr/>
+                </a:tc>
+                <a:tc>
+                  <a:txBody>
+                    <a:bodyPr/>
+                    <a:lstStyle/>
+                    <a:p>
+                      <a:r>
+                        <a:rPr lang="tr-TR" dirty="0" err="1" smtClean="0">
+                          <a:solidFill>
+                            <a:schemeClr val="bg1"/>
+                          </a:solidFill>
+                        </a:rPr>
+                        <a:t>Entity</a:t>
+                      </a:r>
+                      <a:r>
+                        <a:rPr lang="tr-TR" baseline="0" dirty="0" smtClean="0">
+                          <a:solidFill>
+                            <a:schemeClr val="bg1"/>
+                          </a:solidFill>
+                        </a:rPr>
+                        <a:t> Framework</a:t>
+                      </a:r>
+                      <a:endParaRPr lang="tr-TR" dirty="0">
+                        <a:solidFill>
+                          <a:schemeClr val="bg1"/>
+                        </a:solidFill>
+                      </a:endParaRPr>
+                    </a:p>
+                  </a:txBody>
+                  <a:tcPr/>
+                </a:tc>
+                <a:tc>
+                  <a:txBody>
+                    <a:bodyPr/>
+                    <a:lstStyle/>
+                    <a:p>
+                      <a:r>
+                        <a:rPr lang="tr-TR" dirty="0" err="1" smtClean="0">
+                          <a:solidFill>
+                            <a:schemeClr val="bg1"/>
+                          </a:solidFill>
+                        </a:rPr>
+                        <a:t>ADO.Net</a:t>
+                      </a:r>
+                      <a:endParaRPr lang="tr-TR" dirty="0">
+                        <a:solidFill>
+                          <a:schemeClr val="bg1"/>
+                        </a:solidFill>
+                      </a:endParaRPr>
+                    </a:p>
+                  </a:txBody>
+                  <a:tcPr/>
+                </a:tc>
+              </a:tr>
+              <a:tr h="370840">
+                <a:tc>
+                  <a:txBody>
+                    <a:bodyPr/>
+                    <a:lstStyle/>
+                    <a:p>
+                      <a:r>
+                        <a:rPr lang="tr-TR" dirty="0" smtClean="0">
+                          <a:solidFill>
+                            <a:schemeClr val="tx1"/>
+                          </a:solidFill>
+                        </a:rPr>
+                        <a:t>1</a:t>
+                      </a:r>
+                      <a:endParaRPr lang="tr-TR" dirty="0">
+                        <a:solidFill>
+                          <a:schemeClr val="tx1"/>
+                        </a:solidFill>
+                      </a:endParaRPr>
+                    </a:p>
+                  </a:txBody>
+                  <a:tcPr/>
+                </a:tc>
+                <a:tc>
+                  <a:txBody>
+                    <a:bodyPr/>
+                    <a:lstStyle/>
+                    <a:p>
+                      <a:r>
+                        <a:rPr lang="tr-TR" dirty="0" smtClean="0">
+                          <a:solidFill>
+                            <a:schemeClr val="tx1"/>
+                          </a:solidFill>
+                        </a:rPr>
+                        <a:t>459ms</a:t>
+                      </a:r>
+                      <a:endParaRPr lang="tr-TR" dirty="0">
+                        <a:solidFill>
+                          <a:schemeClr val="tx1"/>
+                        </a:solidFill>
+                      </a:endParaRPr>
+                    </a:p>
+                  </a:txBody>
+                  <a:tcPr/>
+                </a:tc>
+                <a:tc>
+                  <a:txBody>
+                    <a:bodyPr/>
+                    <a:lstStyle/>
+                    <a:p>
+                      <a:r>
+                        <a:rPr lang="tr-TR" dirty="0" smtClean="0">
+                          <a:solidFill>
+                            <a:schemeClr val="tx1"/>
+                          </a:solidFill>
+                        </a:rPr>
+                        <a:t>185ms</a:t>
+                      </a:r>
+                      <a:endParaRPr lang="tr-TR" dirty="0">
+                        <a:solidFill>
+                          <a:schemeClr val="tx1"/>
+                        </a:solidFill>
+                      </a:endParaRPr>
+                    </a:p>
+                  </a:txBody>
+                  <a:tcPr/>
+                </a:tc>
+                <a:tc>
+                  <a:txBody>
+                    <a:bodyPr/>
+                    <a:lstStyle/>
+                    <a:p>
+                      <a:r>
+                        <a:rPr lang="tr-TR" dirty="0" smtClean="0">
+                          <a:solidFill>
+                            <a:schemeClr val="tx1"/>
+                          </a:solidFill>
+                        </a:rPr>
+                        <a:t>1384ms</a:t>
+                      </a:r>
+                      <a:endParaRPr lang="tr-TR" dirty="0">
+                        <a:solidFill>
+                          <a:schemeClr val="tx1"/>
+                        </a:solidFill>
+                      </a:endParaRPr>
+                    </a:p>
+                  </a:txBody>
+                  <a:tcPr/>
+                </a:tc>
+                <a:tc>
+                  <a:txBody>
+                    <a:bodyPr/>
+                    <a:lstStyle/>
+                    <a:p>
+                      <a:r>
+                        <a:rPr lang="tr-TR" dirty="0" smtClean="0">
+                          <a:solidFill>
+                            <a:schemeClr val="tx1"/>
+                          </a:solidFill>
+                        </a:rPr>
+                        <a:t>46ms</a:t>
+                      </a:r>
+                      <a:endParaRPr lang="tr-TR" dirty="0">
+                        <a:solidFill>
+                          <a:schemeClr val="tx1"/>
+                        </a:solidFill>
+                      </a:endParaRPr>
+                    </a:p>
+                  </a:txBody>
+                  <a:tcPr/>
+                </a:tc>
+              </a:tr>
+              <a:tr h="370840">
+                <a:tc>
+                  <a:txBody>
+                    <a:bodyPr/>
+                    <a:lstStyle/>
+                    <a:p>
+                      <a:r>
+                        <a:rPr lang="tr-TR" dirty="0" smtClean="0">
+                          <a:solidFill>
+                            <a:schemeClr val="tx1"/>
+                          </a:solidFill>
+                        </a:rPr>
+                        <a:t>2</a:t>
+                      </a:r>
+                      <a:endParaRPr lang="tr-TR" dirty="0">
+                        <a:solidFill>
+                          <a:schemeClr val="tx1"/>
+                        </a:solidFill>
+                      </a:endParaRPr>
+                    </a:p>
+                  </a:txBody>
+                  <a:tcPr/>
+                </a:tc>
+                <a:tc>
+                  <a:txBody>
+                    <a:bodyPr/>
+                    <a:lstStyle/>
+                    <a:p>
+                      <a:r>
+                        <a:rPr lang="tr-TR" dirty="0" smtClean="0">
+                          <a:solidFill>
+                            <a:schemeClr val="tx1"/>
+                          </a:solidFill>
+                        </a:rPr>
+                        <a:t>26ms</a:t>
+                      </a:r>
+                      <a:endParaRPr lang="tr-TR" dirty="0">
+                        <a:solidFill>
+                          <a:schemeClr val="tx1"/>
+                        </a:solidFill>
+                      </a:endParaRPr>
+                    </a:p>
+                  </a:txBody>
+                  <a:tcPr/>
+                </a:tc>
+                <a:tc>
+                  <a:txBody>
+                    <a:bodyPr/>
+                    <a:lstStyle/>
+                    <a:p>
+                      <a:r>
+                        <a:rPr lang="tr-TR" dirty="0" smtClean="0">
+                          <a:solidFill>
+                            <a:schemeClr val="tx1"/>
+                          </a:solidFill>
+                        </a:rPr>
+                        <a:t>141ms</a:t>
+                      </a:r>
+                      <a:endParaRPr lang="tr-TR" dirty="0">
+                        <a:solidFill>
+                          <a:schemeClr val="tx1"/>
+                        </a:solidFill>
+                      </a:endParaRPr>
+                    </a:p>
+                  </a:txBody>
+                  <a:tcPr/>
+                </a:tc>
+                <a:tc>
+                  <a:txBody>
+                    <a:bodyPr/>
+                    <a:lstStyle/>
+                    <a:p>
+                      <a:r>
+                        <a:rPr lang="tr-TR" dirty="0" smtClean="0">
+                          <a:solidFill>
+                            <a:schemeClr val="tx1"/>
+                          </a:solidFill>
+                        </a:rPr>
+                        <a:t>10ms</a:t>
+                      </a:r>
+                      <a:endParaRPr lang="tr-TR" dirty="0">
+                        <a:solidFill>
+                          <a:schemeClr val="tx1"/>
+                        </a:solidFill>
+                      </a:endParaRPr>
+                    </a:p>
+                  </a:txBody>
+                  <a:tcPr/>
+                </a:tc>
+                <a:tc>
+                  <a:txBody>
+                    <a:bodyPr/>
+                    <a:lstStyle/>
+                    <a:p>
+                      <a:r>
+                        <a:rPr lang="tr-TR" dirty="0" smtClean="0">
+                          <a:solidFill>
+                            <a:schemeClr val="tx1"/>
+                          </a:solidFill>
+                        </a:rPr>
+                        <a:t>46ms</a:t>
+                      </a:r>
+                      <a:endParaRPr lang="tr-TR" dirty="0">
+                        <a:solidFill>
+                          <a:schemeClr val="tx1"/>
+                        </a:solidFill>
+                      </a:endParaRPr>
+                    </a:p>
+                  </a:txBody>
+                  <a:tcPr/>
+                </a:tc>
+              </a:tr>
+              <a:tr h="370840">
+                <a:tc>
+                  <a:txBody>
+                    <a:bodyPr/>
+                    <a:lstStyle/>
+                    <a:p>
+                      <a:r>
+                        <a:rPr lang="tr-TR" dirty="0" smtClean="0">
+                          <a:solidFill>
+                            <a:schemeClr val="tx1"/>
+                          </a:solidFill>
+                        </a:rPr>
+                        <a:t>3</a:t>
+                      </a:r>
+                      <a:endParaRPr lang="tr-TR" dirty="0">
+                        <a:solidFill>
+                          <a:schemeClr val="tx1"/>
+                        </a:solidFill>
+                      </a:endParaRPr>
+                    </a:p>
+                  </a:txBody>
+                  <a:tcPr/>
+                </a:tc>
+                <a:tc>
+                  <a:txBody>
+                    <a:bodyPr/>
+                    <a:lstStyle/>
+                    <a:p>
+                      <a:r>
+                        <a:rPr lang="tr-TR" dirty="0" smtClean="0">
+                          <a:solidFill>
+                            <a:schemeClr val="tx1"/>
+                          </a:solidFill>
+                        </a:rPr>
+                        <a:t>11ms</a:t>
+                      </a:r>
+                      <a:endParaRPr lang="tr-TR" dirty="0">
+                        <a:solidFill>
+                          <a:schemeClr val="tx1"/>
+                        </a:solidFill>
+                      </a:endParaRPr>
+                    </a:p>
+                  </a:txBody>
+                  <a:tcPr/>
+                </a:tc>
+                <a:tc>
+                  <a:txBody>
+                    <a:bodyPr/>
+                    <a:lstStyle/>
+                    <a:p>
+                      <a:r>
+                        <a:rPr lang="tr-TR" dirty="0" smtClean="0">
+                          <a:solidFill>
+                            <a:schemeClr val="tx1"/>
+                          </a:solidFill>
+                        </a:rPr>
+                        <a:t>153ms</a:t>
+                      </a:r>
+                      <a:endParaRPr lang="tr-TR" dirty="0">
+                        <a:solidFill>
+                          <a:schemeClr val="tx1"/>
+                        </a:solidFill>
+                      </a:endParaRPr>
+                    </a:p>
+                  </a:txBody>
+                  <a:tcPr/>
+                </a:tc>
+                <a:tc>
+                  <a:txBody>
+                    <a:bodyPr/>
+                    <a:lstStyle/>
+                    <a:p>
+                      <a:r>
+                        <a:rPr lang="tr-TR" dirty="0" smtClean="0">
+                          <a:solidFill>
+                            <a:schemeClr val="tx1"/>
+                          </a:solidFill>
+                        </a:rPr>
+                        <a:t>9ms</a:t>
+                      </a:r>
+                      <a:endParaRPr lang="tr-TR" dirty="0">
+                        <a:solidFill>
+                          <a:schemeClr val="tx1"/>
+                        </a:solidFill>
+                      </a:endParaRPr>
+                    </a:p>
+                  </a:txBody>
+                  <a:tcPr/>
+                </a:tc>
+                <a:tc>
+                  <a:txBody>
+                    <a:bodyPr/>
+                    <a:lstStyle/>
+                    <a:p>
+                      <a:r>
+                        <a:rPr lang="tr-TR" dirty="0" smtClean="0">
+                          <a:solidFill>
+                            <a:schemeClr val="tx1"/>
+                          </a:solidFill>
+                        </a:rPr>
+                        <a:t>46ms</a:t>
+                      </a:r>
+                      <a:endParaRPr lang="tr-TR" dirty="0">
+                        <a:solidFill>
+                          <a:schemeClr val="tx1"/>
+                        </a:solidFill>
+                      </a:endParaRPr>
+                    </a:p>
+                  </a:txBody>
+                  <a:tcPr/>
+                </a:tc>
+              </a:tr>
+              <a:tr h="370840">
+                <a:tc>
+                  <a:txBody>
+                    <a:bodyPr/>
+                    <a:lstStyle/>
+                    <a:p>
+                      <a:r>
+                        <a:rPr lang="tr-TR" dirty="0" smtClean="0">
+                          <a:solidFill>
+                            <a:schemeClr val="tx1"/>
+                          </a:solidFill>
+                        </a:rPr>
+                        <a:t>4</a:t>
+                      </a:r>
+                      <a:endParaRPr lang="tr-TR" dirty="0">
+                        <a:solidFill>
+                          <a:schemeClr val="tx1"/>
+                        </a:solidFill>
+                      </a:endParaRPr>
+                    </a:p>
+                  </a:txBody>
+                  <a:tcPr/>
+                </a:tc>
+                <a:tc>
+                  <a:txBody>
+                    <a:bodyPr/>
+                    <a:lstStyle/>
+                    <a:p>
+                      <a:r>
+                        <a:rPr lang="tr-TR" dirty="0" smtClean="0">
+                          <a:solidFill>
+                            <a:schemeClr val="tx1"/>
+                          </a:solidFill>
+                        </a:rPr>
+                        <a:t>10ms</a:t>
+                      </a:r>
+                      <a:endParaRPr lang="tr-TR" dirty="0">
+                        <a:solidFill>
+                          <a:schemeClr val="tx1"/>
+                        </a:solidFill>
+                      </a:endParaRPr>
+                    </a:p>
+                  </a:txBody>
+                  <a:tcPr/>
+                </a:tc>
+                <a:tc>
+                  <a:txBody>
+                    <a:bodyPr/>
+                    <a:lstStyle/>
+                    <a:p>
+                      <a:r>
+                        <a:rPr lang="tr-TR" dirty="0" smtClean="0">
+                          <a:solidFill>
+                            <a:schemeClr val="tx1"/>
+                          </a:solidFill>
+                        </a:rPr>
+                        <a:t>167ms</a:t>
+                      </a:r>
+                      <a:endParaRPr lang="tr-TR" dirty="0">
+                        <a:solidFill>
+                          <a:schemeClr val="tx1"/>
+                        </a:solidFill>
+                      </a:endParaRPr>
+                    </a:p>
+                  </a:txBody>
+                  <a:tcPr/>
+                </a:tc>
+                <a:tc>
+                  <a:txBody>
+                    <a:bodyPr/>
+                    <a:lstStyle/>
+                    <a:p>
+                      <a:r>
+                        <a:rPr lang="tr-TR" dirty="0" smtClean="0">
+                          <a:solidFill>
+                            <a:schemeClr val="tx1"/>
+                          </a:solidFill>
+                        </a:rPr>
+                        <a:t>8ms</a:t>
+                      </a:r>
+                      <a:endParaRPr lang="tr-TR" dirty="0">
+                        <a:solidFill>
+                          <a:schemeClr val="tx1"/>
+                        </a:solidFill>
+                      </a:endParaRPr>
+                    </a:p>
+                  </a:txBody>
+                  <a:tcPr/>
+                </a:tc>
+                <a:tc>
+                  <a:txBody>
+                    <a:bodyPr/>
+                    <a:lstStyle/>
+                    <a:p>
+                      <a:r>
+                        <a:rPr lang="tr-TR" dirty="0" smtClean="0">
+                          <a:solidFill>
+                            <a:schemeClr val="tx1"/>
+                          </a:solidFill>
+                        </a:rPr>
+                        <a:t>46ms</a:t>
+                      </a:r>
+                      <a:endParaRPr lang="tr-TR" dirty="0">
+                        <a:solidFill>
+                          <a:schemeClr val="tx1"/>
+                        </a:solidFill>
+                      </a:endParaRPr>
+                    </a:p>
+                  </a:txBody>
+                  <a:tcPr/>
+                </a:tc>
+              </a:tr>
+              <a:tr h="370840">
+                <a:tc>
+                  <a:txBody>
+                    <a:bodyPr/>
+                    <a:lstStyle/>
+                    <a:p>
+                      <a:r>
+                        <a:rPr lang="tr-TR" dirty="0" smtClean="0">
+                          <a:solidFill>
+                            <a:schemeClr val="tx1"/>
+                          </a:solidFill>
+                        </a:rPr>
+                        <a:t>5</a:t>
+                      </a:r>
+                      <a:endParaRPr lang="tr-TR" dirty="0">
+                        <a:solidFill>
+                          <a:schemeClr val="tx1"/>
+                        </a:solidFill>
+                      </a:endParaRPr>
+                    </a:p>
+                  </a:txBody>
+                  <a:tcPr/>
+                </a:tc>
+                <a:tc>
+                  <a:txBody>
+                    <a:bodyPr/>
+                    <a:lstStyle/>
+                    <a:p>
+                      <a:r>
+                        <a:rPr lang="tr-TR" dirty="0" smtClean="0">
+                          <a:solidFill>
+                            <a:schemeClr val="tx1"/>
+                          </a:solidFill>
+                        </a:rPr>
+                        <a:t>9ms</a:t>
+                      </a:r>
+                      <a:endParaRPr lang="tr-TR" dirty="0">
+                        <a:solidFill>
+                          <a:schemeClr val="tx1"/>
+                        </a:solidFill>
+                      </a:endParaRPr>
+                    </a:p>
+                  </a:txBody>
+                  <a:tcPr/>
+                </a:tc>
+                <a:tc>
+                  <a:txBody>
+                    <a:bodyPr/>
+                    <a:lstStyle/>
+                    <a:p>
+                      <a:r>
+                        <a:rPr lang="tr-TR" dirty="0" smtClean="0">
+                          <a:solidFill>
+                            <a:schemeClr val="tx1"/>
+                          </a:solidFill>
+                        </a:rPr>
+                        <a:t>122ms</a:t>
+                      </a:r>
+                      <a:endParaRPr lang="tr-TR" dirty="0">
+                        <a:solidFill>
+                          <a:schemeClr val="tx1"/>
+                        </a:solidFill>
+                      </a:endParaRPr>
+                    </a:p>
+                  </a:txBody>
+                  <a:tcPr/>
+                </a:tc>
+                <a:tc>
+                  <a:txBody>
+                    <a:bodyPr/>
+                    <a:lstStyle/>
+                    <a:p>
+                      <a:r>
+                        <a:rPr lang="tr-TR" dirty="0" smtClean="0">
+                          <a:solidFill>
+                            <a:schemeClr val="tx1"/>
+                          </a:solidFill>
+                        </a:rPr>
+                        <a:t>10ms</a:t>
+                      </a:r>
+                      <a:endParaRPr lang="tr-TR" dirty="0">
+                        <a:solidFill>
+                          <a:schemeClr val="tx1"/>
+                        </a:solidFill>
+                      </a:endParaRPr>
+                    </a:p>
+                  </a:txBody>
+                  <a:tcPr/>
+                </a:tc>
+                <a:tc>
+                  <a:txBody>
+                    <a:bodyPr/>
+                    <a:lstStyle/>
+                    <a:p>
+                      <a:r>
+                        <a:rPr lang="tr-TR" dirty="0" smtClean="0">
+                          <a:solidFill>
+                            <a:schemeClr val="tx1"/>
+                          </a:solidFill>
+                        </a:rPr>
+                        <a:t>46ms</a:t>
+                      </a:r>
+                      <a:endParaRPr lang="tr-TR" dirty="0">
+                        <a:solidFill>
+                          <a:schemeClr val="tx1"/>
+                        </a:solidFill>
+                      </a:endParaRPr>
+                    </a:p>
+                  </a:txBody>
+                  <a:tcPr/>
+                </a:tc>
+              </a:tr>
+              <a:tr h="370840">
+                <a:tc>
+                  <a:txBody>
+                    <a:bodyPr/>
+                    <a:lstStyle/>
+                    <a:p>
+                      <a:r>
+                        <a:rPr lang="tr-TR" dirty="0" smtClean="0">
+                          <a:solidFill>
+                            <a:schemeClr val="tx1"/>
+                          </a:solidFill>
+                        </a:rPr>
+                        <a:t>6</a:t>
+                      </a:r>
+                      <a:endParaRPr lang="tr-TR" dirty="0">
+                        <a:solidFill>
+                          <a:schemeClr val="tx1"/>
+                        </a:solidFill>
+                      </a:endParaRPr>
+                    </a:p>
+                  </a:txBody>
+                  <a:tcPr/>
+                </a:tc>
+                <a:tc>
+                  <a:txBody>
+                    <a:bodyPr/>
+                    <a:lstStyle/>
+                    <a:p>
+                      <a:r>
+                        <a:rPr lang="tr-TR" dirty="0" smtClean="0">
+                          <a:solidFill>
+                            <a:schemeClr val="tx1"/>
+                          </a:solidFill>
+                        </a:rPr>
+                        <a:t>10ms</a:t>
+                      </a:r>
+                      <a:endParaRPr lang="tr-TR" dirty="0">
+                        <a:solidFill>
+                          <a:schemeClr val="tx1"/>
+                        </a:solidFill>
+                      </a:endParaRPr>
+                    </a:p>
+                  </a:txBody>
+                  <a:tcPr/>
+                </a:tc>
+                <a:tc>
+                  <a:txBody>
+                    <a:bodyPr/>
+                    <a:lstStyle/>
+                    <a:p>
+                      <a:r>
+                        <a:rPr lang="tr-TR" dirty="0" smtClean="0">
+                          <a:solidFill>
+                            <a:schemeClr val="tx1"/>
+                          </a:solidFill>
+                        </a:rPr>
+                        <a:t>153ms</a:t>
+                      </a:r>
+                      <a:endParaRPr lang="tr-TR" dirty="0">
+                        <a:solidFill>
+                          <a:schemeClr val="tx1"/>
+                        </a:solidFill>
+                      </a:endParaRPr>
+                    </a:p>
+                  </a:txBody>
+                  <a:tcPr/>
+                </a:tc>
+                <a:tc>
+                  <a:txBody>
+                    <a:bodyPr/>
+                    <a:lstStyle/>
+                    <a:p>
+                      <a:r>
+                        <a:rPr lang="tr-TR" dirty="0" smtClean="0">
+                          <a:solidFill>
+                            <a:schemeClr val="tx1"/>
+                          </a:solidFill>
+                        </a:rPr>
+                        <a:t>9ms</a:t>
+                      </a:r>
+                      <a:endParaRPr lang="tr-TR" dirty="0">
+                        <a:solidFill>
+                          <a:schemeClr val="tx1"/>
+                        </a:solidFill>
+                      </a:endParaRPr>
+                    </a:p>
+                  </a:txBody>
+                  <a:tcPr/>
+                </a:tc>
+                <a:tc>
+                  <a:txBody>
+                    <a:bodyPr/>
+                    <a:lstStyle/>
+                    <a:p>
+                      <a:r>
+                        <a:rPr lang="tr-TR" dirty="0" smtClean="0">
+                          <a:solidFill>
+                            <a:schemeClr val="tx1"/>
+                          </a:solidFill>
+                        </a:rPr>
+                        <a:t>46ms</a:t>
+                      </a:r>
+                      <a:endParaRPr lang="tr-TR" dirty="0">
+                        <a:solidFill>
+                          <a:schemeClr val="tx1"/>
+                        </a:solidFill>
+                      </a:endParaRPr>
+                    </a:p>
+                  </a:txBody>
+                  <a:tcPr/>
+                </a:tc>
+              </a:tr>
+              <a:tr h="370840">
+                <a:tc>
+                  <a:txBody>
+                    <a:bodyPr/>
+                    <a:lstStyle/>
+                    <a:p>
+                      <a:r>
+                        <a:rPr lang="tr-TR" dirty="0" smtClean="0">
+                          <a:solidFill>
+                            <a:schemeClr val="tx1"/>
+                          </a:solidFill>
+                        </a:rPr>
+                        <a:t>7</a:t>
+                      </a:r>
+                      <a:endParaRPr lang="tr-TR" dirty="0">
+                        <a:solidFill>
+                          <a:schemeClr val="tx1"/>
+                        </a:solidFill>
+                      </a:endParaRPr>
+                    </a:p>
+                  </a:txBody>
+                  <a:tcPr/>
+                </a:tc>
+                <a:tc>
+                  <a:txBody>
+                    <a:bodyPr/>
+                    <a:lstStyle/>
+                    <a:p>
+                      <a:r>
+                        <a:rPr lang="tr-TR" dirty="0" smtClean="0">
+                          <a:solidFill>
+                            <a:schemeClr val="tx1"/>
+                          </a:solidFill>
+                        </a:rPr>
+                        <a:t>11ms</a:t>
+                      </a:r>
+                      <a:endParaRPr lang="tr-TR" dirty="0">
+                        <a:solidFill>
+                          <a:schemeClr val="tx1"/>
+                        </a:solidFill>
+                      </a:endParaRPr>
+                    </a:p>
+                  </a:txBody>
+                  <a:tcPr/>
+                </a:tc>
+                <a:tc>
+                  <a:txBody>
+                    <a:bodyPr/>
+                    <a:lstStyle/>
+                    <a:p>
+                      <a:r>
+                        <a:rPr lang="tr-TR" dirty="0" smtClean="0">
+                          <a:solidFill>
+                            <a:schemeClr val="tx1"/>
+                          </a:solidFill>
+                        </a:rPr>
+                        <a:t>152ms</a:t>
+                      </a:r>
+                      <a:endParaRPr lang="tr-TR" dirty="0">
+                        <a:solidFill>
+                          <a:schemeClr val="tx1"/>
+                        </a:solidFill>
+                      </a:endParaRPr>
+                    </a:p>
+                  </a:txBody>
+                  <a:tcPr/>
+                </a:tc>
+                <a:tc>
+                  <a:txBody>
+                    <a:bodyPr/>
+                    <a:lstStyle/>
+                    <a:p>
+                      <a:r>
+                        <a:rPr lang="tr-TR" dirty="0" smtClean="0">
+                          <a:solidFill>
+                            <a:schemeClr val="tx1"/>
+                          </a:solidFill>
+                        </a:rPr>
+                        <a:t>8ms</a:t>
+                      </a:r>
+                      <a:endParaRPr lang="tr-TR" dirty="0">
+                        <a:solidFill>
+                          <a:schemeClr val="tx1"/>
+                        </a:solidFill>
+                      </a:endParaRPr>
+                    </a:p>
+                  </a:txBody>
+                  <a:tcPr/>
+                </a:tc>
+                <a:tc>
+                  <a:txBody>
+                    <a:bodyPr/>
+                    <a:lstStyle/>
+                    <a:p>
+                      <a:r>
+                        <a:rPr lang="tr-TR" dirty="0" smtClean="0">
+                          <a:solidFill>
+                            <a:schemeClr val="tx1"/>
+                          </a:solidFill>
+                        </a:rPr>
+                        <a:t>46ms</a:t>
+                      </a:r>
+                    </a:p>
+                  </a:txBody>
+                  <a:tcPr/>
+                </a:tc>
+              </a:tr>
+            </a:tbl>
+          </a:graphicData>
+        </a:graphic>
+      </p:graphicFrame>
+      <p:sp>
+        <p:nvSpPr>
+          <p:cNvPr id="5" name="Metin kutusu 4"/>
+          <p:cNvSpPr txBox="1"/>
+          <p:nvPr/>
+        </p:nvSpPr>
+        <p:spPr>
+          <a:xfrm>
+            <a:off x="810000" y="5281300"/>
+            <a:ext cx="10571998" cy="892552"/>
+          </a:xfrm>
+          <a:prstGeom prst="rect">
+            <a:avLst/>
+          </a:prstGeom>
+          <a:noFill/>
+        </p:spPr>
+        <p:txBody>
+          <a:bodyPr wrap="square" rtlCol="0">
+            <a:spAutoFit/>
+          </a:bodyPr>
+          <a:lstStyle/>
+          <a:p>
+            <a:r>
+              <a:rPr lang="tr-TR" dirty="0" smtClean="0"/>
+              <a:t>100.000 satırlı tabloda </a:t>
+            </a:r>
+            <a:r>
+              <a:rPr lang="tr-TR" dirty="0"/>
+              <a:t>7</a:t>
+            </a:r>
+            <a:r>
+              <a:rPr lang="tr-TR" dirty="0" smtClean="0"/>
+              <a:t> kez ‘Select - </a:t>
+            </a:r>
+            <a:r>
+              <a:rPr lang="tr-TR" dirty="0" err="1" smtClean="0"/>
+              <a:t>Where</a:t>
+            </a:r>
+            <a:r>
+              <a:rPr lang="tr-TR" dirty="0" smtClean="0"/>
+              <a:t>’ sorgusu tekrarlandığında elde edilen veriler.</a:t>
+            </a:r>
+          </a:p>
+          <a:p>
+            <a:endParaRPr lang="tr-TR" dirty="0"/>
+          </a:p>
+          <a:p>
+            <a:r>
+              <a:rPr lang="tr-TR" sz="1600" dirty="0" smtClean="0"/>
+              <a:t>Tabloda ‘</a:t>
+            </a:r>
+            <a:r>
+              <a:rPr lang="tr-TR" sz="1600" dirty="0" err="1" smtClean="0"/>
+              <a:t>Id</a:t>
+            </a:r>
+            <a:r>
+              <a:rPr lang="tr-TR" sz="1600" dirty="0" smtClean="0"/>
+              <a:t>’, ‘Name’, ‘</a:t>
+            </a:r>
+            <a:r>
+              <a:rPr lang="tr-TR" sz="1600" dirty="0" err="1" smtClean="0"/>
+              <a:t>Surname</a:t>
+            </a:r>
+            <a:r>
+              <a:rPr lang="tr-TR" sz="1600" dirty="0" smtClean="0"/>
+              <a:t>’ sütunları bulunmaktadır.</a:t>
+            </a:r>
+            <a:endParaRPr lang="tr-TR" sz="1600" dirty="0"/>
+          </a:p>
+        </p:txBody>
+      </p:sp>
+    </p:spTree>
+    <p:extLst>
+      <p:ext uri="{BB962C8B-B14F-4D97-AF65-F5344CB8AC3E}">
+        <p14:creationId xmlns:p14="http://schemas.microsoft.com/office/powerpoint/2010/main" val="1725866792"/>
+      </p:ext>
+    </p:extLst>
+  </p:cSld>
+  <p:clrMapOvr>
+    <a:masterClrMapping/>
+  </p:clrMapOvr>
+  <p:timing>
+    <p:tnLst>
+      <p:par>
+        <p:cTn id="1" dur="indefinite" restart="never" nodeType="tmRoot"/>
+      </p:par>
+    </p:tnLst>
+  </p:timing>
+</p:sld>
+</file>
+
+<file path=ppt/slides/slide46.xml><?xml version="1.0" encoding="utf-8"?>
+<p:sld xmlns:a="http://schemas.openxmlformats.org/drawingml/2006/main" xmlns:r="http://schemas.openxmlformats.org/officeDocument/2006/relationships" xmlns:p="http://schemas.openxmlformats.org/presentationml/2006/main">
+  <p:cSld>
+    <p:spTree>
+      <p:nvGrpSpPr>
+        <p:cNvPr id="1" name=""/>
+        <p:cNvGrpSpPr/>
+        <p:nvPr/>
+      </p:nvGrpSpPr>
+      <p:grpSpPr>
+        <a:xfrm>
+          <a:off x="0" y="0"/>
+          <a:ext cx="0" cy="0"/>
+          <a:chOff x="0" y="0"/>
+          <a:chExt cx="0" cy="0"/>
+        </a:xfrm>
+      </p:grpSpPr>
+      <p:sp>
+        <p:nvSpPr>
+          <p:cNvPr id="2" name="Unvan 1"/>
+          <p:cNvSpPr>
+            <a:spLocks noGrp="1"/>
+          </p:cNvSpPr>
+          <p:nvPr>
+            <p:ph type="title"/>
+          </p:nvPr>
+        </p:nvSpPr>
+        <p:spPr/>
+        <p:txBody>
+          <a:bodyPr/>
+          <a:lstStyle/>
+          <a:p>
+            <a:r>
+              <a:rPr lang="tr-TR" dirty="0" smtClean="0"/>
+              <a:t>ORM Araçlarının Karşılaştırılması - 8</a:t>
+            </a:r>
+            <a:endParaRPr lang="tr-TR" dirty="0"/>
+          </a:p>
+        </p:txBody>
+      </p:sp>
+      <p:graphicFrame>
+        <p:nvGraphicFramePr>
+          <p:cNvPr id="4" name="İçerik Yer Tutucusu 3"/>
+          <p:cNvGraphicFramePr>
+            <a:graphicFrameLocks noGrp="1"/>
+          </p:cNvGraphicFramePr>
+          <p:nvPr>
+            <p:ph idx="1"/>
+            <p:extLst>
+              <p:ext uri="{D42A27DB-BD31-4B8C-83A1-F6EECF244321}">
+                <p14:modId xmlns:p14="http://schemas.microsoft.com/office/powerpoint/2010/main" val="382269636"/>
+              </p:ext>
+            </p:extLst>
+          </p:nvPr>
+        </p:nvGraphicFramePr>
+        <p:xfrm>
+          <a:off x="819150" y="2222500"/>
+          <a:ext cx="10553700" cy="1483360"/>
+        </p:xfrm>
+        <a:graphic>
+          <a:graphicData uri="http://schemas.openxmlformats.org/drawingml/2006/table">
+            <a:tbl>
+              <a:tblPr firstRow="1" bandRow="1">
+                <a:tableStyleId>{5C22544A-7EE6-4342-B048-85BDC9FD1C3A}</a:tableStyleId>
+              </a:tblPr>
+              <a:tblGrid>
+                <a:gridCol w="2638425"/>
+                <a:gridCol w="2638425"/>
+                <a:gridCol w="2638425"/>
+                <a:gridCol w="2638425"/>
+              </a:tblGrid>
+              <a:tr h="370840">
+                <a:tc>
+                  <a:txBody>
+                    <a:bodyPr/>
+                    <a:lstStyle/>
+                    <a:p>
+                      <a:r>
+                        <a:rPr lang="tr-TR" dirty="0" smtClean="0">
+                          <a:solidFill>
+                            <a:schemeClr val="bg1"/>
+                          </a:solidFill>
+                        </a:rPr>
+                        <a:t>Tekrar</a:t>
+                      </a:r>
+                      <a:endParaRPr lang="tr-TR" dirty="0">
+                        <a:solidFill>
+                          <a:schemeClr val="bg1"/>
+                        </a:solidFill>
+                      </a:endParaRPr>
+                    </a:p>
+                  </a:txBody>
+                  <a:tcPr/>
+                </a:tc>
+                <a:tc>
+                  <a:txBody>
+                    <a:bodyPr/>
+                    <a:lstStyle/>
+                    <a:p>
+                      <a:r>
+                        <a:rPr lang="tr-TR" dirty="0" err="1" smtClean="0">
+                          <a:solidFill>
+                            <a:schemeClr val="bg1"/>
+                          </a:solidFill>
+                        </a:rPr>
+                        <a:t>Dapper</a:t>
+                      </a:r>
+                      <a:endParaRPr lang="tr-TR" dirty="0">
+                        <a:solidFill>
+                          <a:schemeClr val="bg1"/>
+                        </a:solidFill>
+                      </a:endParaRPr>
+                    </a:p>
+                  </a:txBody>
+                  <a:tcPr/>
+                </a:tc>
+                <a:tc>
+                  <a:txBody>
+                    <a:bodyPr/>
+                    <a:lstStyle/>
+                    <a:p>
+                      <a:r>
+                        <a:rPr lang="tr-TR" dirty="0" err="1" smtClean="0">
+                          <a:solidFill>
+                            <a:schemeClr val="bg1"/>
+                          </a:solidFill>
+                        </a:rPr>
+                        <a:t>Entity</a:t>
+                      </a:r>
+                      <a:r>
+                        <a:rPr lang="tr-TR" dirty="0" smtClean="0">
+                          <a:solidFill>
+                            <a:schemeClr val="bg1"/>
+                          </a:solidFill>
+                        </a:rPr>
+                        <a:t> Framework</a:t>
+                      </a:r>
+                      <a:endParaRPr lang="tr-TR" dirty="0">
+                        <a:solidFill>
+                          <a:schemeClr val="bg1"/>
+                        </a:solidFill>
+                      </a:endParaRPr>
+                    </a:p>
+                  </a:txBody>
+                  <a:tcPr/>
+                </a:tc>
+                <a:tc>
+                  <a:txBody>
+                    <a:bodyPr/>
+                    <a:lstStyle/>
+                    <a:p>
+                      <a:r>
+                        <a:rPr lang="tr-TR" dirty="0" err="1" smtClean="0">
+                          <a:solidFill>
+                            <a:schemeClr val="bg1"/>
+                          </a:solidFill>
+                        </a:rPr>
+                        <a:t>ADO.Net</a:t>
+                      </a:r>
+                      <a:endParaRPr lang="tr-TR" dirty="0">
+                        <a:solidFill>
+                          <a:schemeClr val="bg1"/>
+                        </a:solidFill>
+                      </a:endParaRPr>
+                    </a:p>
+                  </a:txBody>
+                  <a:tcPr/>
+                </a:tc>
+              </a:tr>
+              <a:tr h="370840">
+                <a:tc>
+                  <a:txBody>
+                    <a:bodyPr/>
+                    <a:lstStyle/>
+                    <a:p>
+                      <a:r>
+                        <a:rPr lang="tr-TR" dirty="0" smtClean="0">
+                          <a:solidFill>
+                            <a:schemeClr val="tx1"/>
+                          </a:solidFill>
+                        </a:rPr>
+                        <a:t>1</a:t>
+                      </a:r>
+                      <a:endParaRPr lang="tr-TR" dirty="0">
+                        <a:solidFill>
+                          <a:schemeClr val="tx1"/>
+                        </a:solidFill>
+                      </a:endParaRPr>
+                    </a:p>
+                  </a:txBody>
+                  <a:tcPr/>
+                </a:tc>
+                <a:tc>
+                  <a:txBody>
+                    <a:bodyPr/>
+                    <a:lstStyle/>
+                    <a:p>
+                      <a:r>
+                        <a:rPr lang="tr-TR" dirty="0" smtClean="0">
+                          <a:solidFill>
+                            <a:schemeClr val="tx1"/>
+                          </a:solidFill>
+                        </a:rPr>
+                        <a:t>75ms</a:t>
+                      </a:r>
+                      <a:endParaRPr lang="tr-TR" dirty="0">
+                        <a:solidFill>
+                          <a:schemeClr val="tx1"/>
+                        </a:solidFill>
+                      </a:endParaRPr>
+                    </a:p>
+                  </a:txBody>
+                  <a:tcPr/>
+                </a:tc>
+                <a:tc>
+                  <a:txBody>
+                    <a:bodyPr/>
+                    <a:lstStyle/>
+                    <a:p>
+                      <a:r>
+                        <a:rPr lang="tr-TR" dirty="0" smtClean="0">
+                          <a:solidFill>
+                            <a:schemeClr val="tx1"/>
+                          </a:solidFill>
+                        </a:rPr>
+                        <a:t>2592ms</a:t>
+                      </a:r>
+                      <a:endParaRPr lang="tr-TR" dirty="0">
+                        <a:solidFill>
+                          <a:schemeClr val="tx1"/>
+                        </a:solidFill>
+                      </a:endParaRPr>
+                    </a:p>
+                  </a:txBody>
+                  <a:tcPr/>
+                </a:tc>
+                <a:tc>
+                  <a:txBody>
+                    <a:bodyPr/>
+                    <a:lstStyle/>
+                    <a:p>
+                      <a:r>
+                        <a:rPr lang="tr-TR" dirty="0" smtClean="0">
+                          <a:solidFill>
+                            <a:schemeClr val="tx1"/>
+                          </a:solidFill>
+                        </a:rPr>
+                        <a:t>32ms</a:t>
+                      </a:r>
+                      <a:endParaRPr lang="tr-TR" dirty="0">
+                        <a:solidFill>
+                          <a:schemeClr val="tx1"/>
+                        </a:solidFill>
+                      </a:endParaRPr>
+                    </a:p>
+                  </a:txBody>
+                  <a:tcPr/>
+                </a:tc>
+              </a:tr>
+              <a:tr h="370840">
+                <a:tc>
+                  <a:txBody>
+                    <a:bodyPr/>
+                    <a:lstStyle/>
+                    <a:p>
+                      <a:r>
+                        <a:rPr lang="tr-TR" dirty="0" smtClean="0">
+                          <a:solidFill>
+                            <a:schemeClr val="tx1"/>
+                          </a:solidFill>
+                        </a:rPr>
+                        <a:t>2</a:t>
+                      </a:r>
+                      <a:endParaRPr lang="tr-TR" dirty="0">
+                        <a:solidFill>
+                          <a:schemeClr val="tx1"/>
+                        </a:solidFill>
+                      </a:endParaRPr>
+                    </a:p>
+                  </a:txBody>
+                  <a:tcPr/>
+                </a:tc>
+                <a:tc>
+                  <a:txBody>
+                    <a:bodyPr/>
+                    <a:lstStyle/>
+                    <a:p>
+                      <a:r>
+                        <a:rPr lang="tr-TR" dirty="0" smtClean="0">
+                          <a:solidFill>
+                            <a:schemeClr val="tx1"/>
+                          </a:solidFill>
+                        </a:rPr>
+                        <a:t>27ms</a:t>
+                      </a:r>
+                      <a:endParaRPr lang="tr-TR" dirty="0">
+                        <a:solidFill>
+                          <a:schemeClr val="tx1"/>
+                        </a:solidFill>
+                      </a:endParaRPr>
+                    </a:p>
+                  </a:txBody>
+                  <a:tcPr/>
+                </a:tc>
+                <a:tc>
+                  <a:txBody>
+                    <a:bodyPr/>
+                    <a:lstStyle/>
+                    <a:p>
+                      <a:r>
+                        <a:rPr lang="tr-TR" dirty="0" smtClean="0">
+                          <a:solidFill>
+                            <a:schemeClr val="tx1"/>
+                          </a:solidFill>
+                        </a:rPr>
+                        <a:t>1520ms</a:t>
+                      </a:r>
+                      <a:endParaRPr lang="tr-TR" dirty="0">
+                        <a:solidFill>
+                          <a:schemeClr val="tx1"/>
+                        </a:solidFill>
+                      </a:endParaRPr>
+                    </a:p>
+                  </a:txBody>
+                  <a:tcPr/>
+                </a:tc>
+                <a:tc>
+                  <a:txBody>
+                    <a:bodyPr/>
+                    <a:lstStyle/>
+                    <a:p>
+                      <a:r>
+                        <a:rPr lang="tr-TR" dirty="0" smtClean="0">
+                          <a:solidFill>
+                            <a:schemeClr val="tx1"/>
+                          </a:solidFill>
+                        </a:rPr>
+                        <a:t>28ms</a:t>
+                      </a:r>
+                      <a:endParaRPr lang="tr-TR" dirty="0">
+                        <a:solidFill>
+                          <a:schemeClr val="tx1"/>
+                        </a:solidFill>
+                      </a:endParaRPr>
+                    </a:p>
+                  </a:txBody>
+                  <a:tcPr/>
+                </a:tc>
+              </a:tr>
+              <a:tr h="370840">
+                <a:tc>
+                  <a:txBody>
+                    <a:bodyPr/>
+                    <a:lstStyle/>
+                    <a:p>
+                      <a:r>
+                        <a:rPr lang="tr-TR" dirty="0" smtClean="0">
+                          <a:solidFill>
+                            <a:schemeClr val="tx1"/>
+                          </a:solidFill>
+                        </a:rPr>
+                        <a:t>3</a:t>
+                      </a:r>
+                      <a:endParaRPr lang="tr-TR" dirty="0">
+                        <a:solidFill>
+                          <a:schemeClr val="tx1"/>
+                        </a:solidFill>
+                      </a:endParaRPr>
+                    </a:p>
+                  </a:txBody>
+                  <a:tcPr/>
+                </a:tc>
+                <a:tc>
+                  <a:txBody>
+                    <a:bodyPr/>
+                    <a:lstStyle/>
+                    <a:p>
+                      <a:r>
+                        <a:rPr lang="tr-TR" dirty="0" smtClean="0">
+                          <a:solidFill>
+                            <a:schemeClr val="tx1"/>
+                          </a:solidFill>
+                        </a:rPr>
+                        <a:t>26ms</a:t>
+                      </a:r>
+                      <a:endParaRPr lang="tr-TR" dirty="0">
+                        <a:solidFill>
+                          <a:schemeClr val="tx1"/>
+                        </a:solidFill>
+                      </a:endParaRPr>
+                    </a:p>
+                  </a:txBody>
+                  <a:tcPr/>
+                </a:tc>
+                <a:tc>
+                  <a:txBody>
+                    <a:bodyPr/>
+                    <a:lstStyle/>
+                    <a:p>
+                      <a:r>
+                        <a:rPr lang="tr-TR" dirty="0" smtClean="0">
+                          <a:solidFill>
+                            <a:schemeClr val="tx1"/>
+                          </a:solidFill>
+                        </a:rPr>
+                        <a:t>1694ms</a:t>
+                      </a:r>
+                      <a:endParaRPr lang="tr-TR" dirty="0">
+                        <a:solidFill>
+                          <a:schemeClr val="tx1"/>
+                        </a:solidFill>
+                      </a:endParaRPr>
+                    </a:p>
+                  </a:txBody>
+                  <a:tcPr/>
+                </a:tc>
+                <a:tc>
+                  <a:txBody>
+                    <a:bodyPr/>
+                    <a:lstStyle/>
+                    <a:p>
+                      <a:r>
+                        <a:rPr lang="tr-TR" dirty="0" smtClean="0">
+                          <a:solidFill>
+                            <a:schemeClr val="tx1"/>
+                          </a:solidFill>
+                        </a:rPr>
+                        <a:t>27ms</a:t>
+                      </a:r>
+                      <a:endParaRPr lang="tr-TR" dirty="0">
+                        <a:solidFill>
+                          <a:schemeClr val="tx1"/>
+                        </a:solidFill>
+                      </a:endParaRPr>
+                    </a:p>
+                  </a:txBody>
+                  <a:tcPr/>
+                </a:tc>
+              </a:tr>
+            </a:tbl>
+          </a:graphicData>
+        </a:graphic>
+      </p:graphicFrame>
+      <p:graphicFrame>
+        <p:nvGraphicFramePr>
+          <p:cNvPr id="6" name="İçerik Yer Tutucusu 3"/>
+          <p:cNvGraphicFramePr>
+            <a:graphicFrameLocks/>
+          </p:cNvGraphicFramePr>
+          <p:nvPr>
+            <p:extLst>
+              <p:ext uri="{D42A27DB-BD31-4B8C-83A1-F6EECF244321}">
+                <p14:modId xmlns:p14="http://schemas.microsoft.com/office/powerpoint/2010/main" val="3260932547"/>
+              </p:ext>
+            </p:extLst>
+          </p:nvPr>
+        </p:nvGraphicFramePr>
+        <p:xfrm>
+          <a:off x="810000" y="4536986"/>
+          <a:ext cx="10553700" cy="1483360"/>
+        </p:xfrm>
+        <a:graphic>
+          <a:graphicData uri="http://schemas.openxmlformats.org/drawingml/2006/table">
+            <a:tbl>
+              <a:tblPr firstRow="1" bandRow="1">
+                <a:tableStyleId>{5C22544A-7EE6-4342-B048-85BDC9FD1C3A}</a:tableStyleId>
+              </a:tblPr>
+              <a:tblGrid>
+                <a:gridCol w="2638425"/>
+                <a:gridCol w="2638425"/>
+                <a:gridCol w="2638425"/>
+                <a:gridCol w="2638425"/>
+              </a:tblGrid>
+              <a:tr h="370840">
+                <a:tc>
+                  <a:txBody>
+                    <a:bodyPr/>
+                    <a:lstStyle/>
+                    <a:p>
+                      <a:r>
+                        <a:rPr lang="tr-TR" dirty="0" smtClean="0">
+                          <a:solidFill>
+                            <a:schemeClr val="bg1"/>
+                          </a:solidFill>
+                        </a:rPr>
+                        <a:t>Tekrar</a:t>
+                      </a:r>
+                      <a:endParaRPr lang="tr-TR" dirty="0">
+                        <a:solidFill>
+                          <a:schemeClr val="bg1"/>
+                        </a:solidFill>
+                      </a:endParaRPr>
+                    </a:p>
+                  </a:txBody>
+                  <a:tcPr/>
+                </a:tc>
+                <a:tc>
+                  <a:txBody>
+                    <a:bodyPr/>
+                    <a:lstStyle/>
+                    <a:p>
+                      <a:r>
+                        <a:rPr lang="tr-TR" dirty="0" err="1" smtClean="0">
+                          <a:solidFill>
+                            <a:schemeClr val="bg1"/>
+                          </a:solidFill>
+                        </a:rPr>
+                        <a:t>Dapper</a:t>
+                      </a:r>
+                      <a:endParaRPr lang="tr-TR" dirty="0">
+                        <a:solidFill>
+                          <a:schemeClr val="bg1"/>
+                        </a:solidFill>
+                      </a:endParaRPr>
+                    </a:p>
+                  </a:txBody>
+                  <a:tcPr/>
+                </a:tc>
+                <a:tc>
+                  <a:txBody>
+                    <a:bodyPr/>
+                    <a:lstStyle/>
+                    <a:p>
+                      <a:r>
+                        <a:rPr lang="tr-TR" dirty="0" err="1" smtClean="0">
+                          <a:solidFill>
+                            <a:schemeClr val="bg1"/>
+                          </a:solidFill>
+                        </a:rPr>
+                        <a:t>Entity</a:t>
+                      </a:r>
+                      <a:r>
+                        <a:rPr lang="tr-TR" dirty="0" smtClean="0">
+                          <a:solidFill>
+                            <a:schemeClr val="bg1"/>
+                          </a:solidFill>
+                        </a:rPr>
+                        <a:t> Framework</a:t>
+                      </a:r>
+                      <a:endParaRPr lang="tr-TR" dirty="0">
+                        <a:solidFill>
+                          <a:schemeClr val="bg1"/>
+                        </a:solidFill>
+                      </a:endParaRPr>
+                    </a:p>
+                  </a:txBody>
+                  <a:tcPr/>
+                </a:tc>
+                <a:tc>
+                  <a:txBody>
+                    <a:bodyPr/>
+                    <a:lstStyle/>
+                    <a:p>
+                      <a:r>
+                        <a:rPr lang="tr-TR" dirty="0" err="1" smtClean="0">
+                          <a:solidFill>
+                            <a:schemeClr val="bg1"/>
+                          </a:solidFill>
+                        </a:rPr>
+                        <a:t>ADO.Net</a:t>
+                      </a:r>
+                      <a:endParaRPr lang="tr-TR" dirty="0">
+                        <a:solidFill>
+                          <a:schemeClr val="bg1"/>
+                        </a:solidFill>
+                      </a:endParaRPr>
+                    </a:p>
+                  </a:txBody>
+                  <a:tcPr/>
+                </a:tc>
+              </a:tr>
+              <a:tr h="370840">
+                <a:tc>
+                  <a:txBody>
+                    <a:bodyPr/>
+                    <a:lstStyle/>
+                    <a:p>
+                      <a:r>
+                        <a:rPr lang="tr-TR" dirty="0" smtClean="0">
+                          <a:solidFill>
+                            <a:schemeClr val="tx1"/>
+                          </a:solidFill>
+                        </a:rPr>
+                        <a:t>1</a:t>
+                      </a:r>
+                      <a:endParaRPr lang="tr-TR" dirty="0">
+                        <a:solidFill>
+                          <a:schemeClr val="tx1"/>
+                        </a:solidFill>
+                      </a:endParaRPr>
+                    </a:p>
+                  </a:txBody>
+                  <a:tcPr/>
+                </a:tc>
+                <a:tc>
+                  <a:txBody>
+                    <a:bodyPr/>
+                    <a:lstStyle/>
+                    <a:p>
+                      <a:r>
+                        <a:rPr lang="tr-TR" dirty="0" smtClean="0">
+                          <a:solidFill>
+                            <a:schemeClr val="tx1"/>
+                          </a:solidFill>
+                        </a:rPr>
+                        <a:t>287ms</a:t>
+                      </a:r>
+                      <a:endParaRPr lang="tr-TR" dirty="0">
+                        <a:solidFill>
+                          <a:schemeClr val="tx1"/>
+                        </a:solidFill>
+                      </a:endParaRPr>
+                    </a:p>
+                  </a:txBody>
+                  <a:tcPr/>
+                </a:tc>
+                <a:tc>
+                  <a:txBody>
+                    <a:bodyPr/>
+                    <a:lstStyle/>
+                    <a:p>
+                      <a:r>
+                        <a:rPr lang="tr-TR" dirty="0" smtClean="0">
+                          <a:solidFill>
+                            <a:schemeClr val="tx1"/>
+                          </a:solidFill>
+                        </a:rPr>
+                        <a:t>17133ms</a:t>
+                      </a:r>
+                      <a:endParaRPr lang="tr-TR" dirty="0">
+                        <a:solidFill>
+                          <a:schemeClr val="tx1"/>
+                        </a:solidFill>
+                      </a:endParaRPr>
+                    </a:p>
+                  </a:txBody>
+                  <a:tcPr/>
+                </a:tc>
+                <a:tc>
+                  <a:txBody>
+                    <a:bodyPr/>
+                    <a:lstStyle/>
+                    <a:p>
+                      <a:r>
+                        <a:rPr lang="tr-TR" dirty="0" smtClean="0">
+                          <a:solidFill>
+                            <a:schemeClr val="tx1"/>
+                          </a:solidFill>
+                        </a:rPr>
+                        <a:t>285ms</a:t>
+                      </a:r>
+                      <a:endParaRPr lang="tr-TR" dirty="0">
+                        <a:solidFill>
+                          <a:schemeClr val="tx1"/>
+                        </a:solidFill>
+                      </a:endParaRPr>
+                    </a:p>
+                  </a:txBody>
+                  <a:tcPr/>
+                </a:tc>
+              </a:tr>
+              <a:tr h="370840">
+                <a:tc>
+                  <a:txBody>
+                    <a:bodyPr/>
+                    <a:lstStyle/>
+                    <a:p>
+                      <a:r>
+                        <a:rPr lang="tr-TR" dirty="0" smtClean="0">
+                          <a:solidFill>
+                            <a:schemeClr val="tx1"/>
+                          </a:solidFill>
+                        </a:rPr>
+                        <a:t>2</a:t>
+                      </a:r>
+                      <a:endParaRPr lang="tr-TR" dirty="0">
+                        <a:solidFill>
+                          <a:schemeClr val="tx1"/>
+                        </a:solidFill>
+                      </a:endParaRPr>
+                    </a:p>
+                  </a:txBody>
+                  <a:tcPr/>
+                </a:tc>
+                <a:tc>
+                  <a:txBody>
+                    <a:bodyPr/>
+                    <a:lstStyle/>
+                    <a:p>
+                      <a:r>
+                        <a:rPr lang="tr-TR" dirty="0" smtClean="0">
+                          <a:solidFill>
+                            <a:schemeClr val="tx1"/>
+                          </a:solidFill>
+                        </a:rPr>
+                        <a:t>249ms</a:t>
+                      </a:r>
+                      <a:endParaRPr lang="tr-TR" dirty="0">
+                        <a:solidFill>
+                          <a:schemeClr val="tx1"/>
+                        </a:solidFill>
+                      </a:endParaRPr>
+                    </a:p>
+                  </a:txBody>
+                  <a:tcPr/>
+                </a:tc>
+                <a:tc>
+                  <a:txBody>
+                    <a:bodyPr/>
+                    <a:lstStyle/>
+                    <a:p>
+                      <a:r>
+                        <a:rPr lang="tr-TR" dirty="0" smtClean="0">
+                          <a:solidFill>
+                            <a:schemeClr val="tx1"/>
+                          </a:solidFill>
+                        </a:rPr>
+                        <a:t>16909ms</a:t>
+                      </a:r>
+                      <a:endParaRPr lang="tr-TR" dirty="0">
+                        <a:solidFill>
+                          <a:schemeClr val="tx1"/>
+                        </a:solidFill>
+                      </a:endParaRPr>
+                    </a:p>
+                  </a:txBody>
+                  <a:tcPr/>
+                </a:tc>
+                <a:tc>
+                  <a:txBody>
+                    <a:bodyPr/>
+                    <a:lstStyle/>
+                    <a:p>
+                      <a:r>
+                        <a:rPr lang="tr-TR" dirty="0" smtClean="0">
+                          <a:solidFill>
+                            <a:schemeClr val="tx1"/>
+                          </a:solidFill>
+                        </a:rPr>
+                        <a:t>279ms</a:t>
+                      </a:r>
+                      <a:endParaRPr lang="tr-TR" dirty="0">
+                        <a:solidFill>
+                          <a:schemeClr val="tx1"/>
+                        </a:solidFill>
+                      </a:endParaRPr>
+                    </a:p>
+                  </a:txBody>
+                  <a:tcPr/>
+                </a:tc>
+              </a:tr>
+              <a:tr h="370840">
+                <a:tc>
+                  <a:txBody>
+                    <a:bodyPr/>
+                    <a:lstStyle/>
+                    <a:p>
+                      <a:r>
+                        <a:rPr lang="tr-TR" dirty="0" smtClean="0">
+                          <a:solidFill>
+                            <a:schemeClr val="tx1"/>
+                          </a:solidFill>
+                        </a:rPr>
+                        <a:t>3</a:t>
+                      </a:r>
+                      <a:endParaRPr lang="tr-TR" dirty="0">
+                        <a:solidFill>
+                          <a:schemeClr val="tx1"/>
+                        </a:solidFill>
+                      </a:endParaRPr>
+                    </a:p>
+                  </a:txBody>
+                  <a:tcPr/>
+                </a:tc>
+                <a:tc>
+                  <a:txBody>
+                    <a:bodyPr/>
+                    <a:lstStyle/>
+                    <a:p>
+                      <a:r>
+                        <a:rPr lang="tr-TR" dirty="0" smtClean="0">
+                          <a:solidFill>
+                            <a:schemeClr val="tx1"/>
+                          </a:solidFill>
+                        </a:rPr>
+                        <a:t>252ms</a:t>
+                      </a:r>
+                      <a:endParaRPr lang="tr-TR" dirty="0">
+                        <a:solidFill>
+                          <a:schemeClr val="tx1"/>
+                        </a:solidFill>
+                      </a:endParaRPr>
+                    </a:p>
+                  </a:txBody>
+                  <a:tcPr/>
+                </a:tc>
+                <a:tc>
+                  <a:txBody>
+                    <a:bodyPr/>
+                    <a:lstStyle/>
+                    <a:p>
+                      <a:r>
+                        <a:rPr lang="tr-TR" dirty="0" smtClean="0">
+                          <a:solidFill>
+                            <a:schemeClr val="tx1"/>
+                          </a:solidFill>
+                        </a:rPr>
+                        <a:t>18064ms</a:t>
+                      </a:r>
+                      <a:endParaRPr lang="tr-TR" dirty="0">
+                        <a:solidFill>
+                          <a:schemeClr val="tx1"/>
+                        </a:solidFill>
+                      </a:endParaRPr>
+                    </a:p>
+                  </a:txBody>
+                  <a:tcPr/>
+                </a:tc>
+                <a:tc>
+                  <a:txBody>
+                    <a:bodyPr/>
+                    <a:lstStyle/>
+                    <a:p>
+                      <a:r>
+                        <a:rPr lang="tr-TR" dirty="0" smtClean="0">
+                          <a:solidFill>
+                            <a:schemeClr val="tx1"/>
+                          </a:solidFill>
+                        </a:rPr>
+                        <a:t>296ms</a:t>
+                      </a:r>
+                      <a:endParaRPr lang="tr-TR" dirty="0">
+                        <a:solidFill>
+                          <a:schemeClr val="tx1"/>
+                        </a:solidFill>
+                      </a:endParaRPr>
+                    </a:p>
+                  </a:txBody>
+                  <a:tcPr/>
+                </a:tc>
+              </a:tr>
+            </a:tbl>
+          </a:graphicData>
+        </a:graphic>
+      </p:graphicFrame>
+      <p:sp>
+        <p:nvSpPr>
+          <p:cNvPr id="7" name="Metin kutusu 6"/>
+          <p:cNvSpPr txBox="1"/>
+          <p:nvPr/>
+        </p:nvSpPr>
+        <p:spPr>
+          <a:xfrm>
+            <a:off x="810000" y="3785788"/>
+            <a:ext cx="10571998" cy="369332"/>
+          </a:xfrm>
+          <a:prstGeom prst="rect">
+            <a:avLst/>
+          </a:prstGeom>
+          <a:noFill/>
+        </p:spPr>
+        <p:txBody>
+          <a:bodyPr wrap="square" rtlCol="0">
+            <a:spAutoFit/>
+          </a:bodyPr>
+          <a:lstStyle/>
+          <a:p>
+            <a:r>
+              <a:rPr lang="tr-TR" dirty="0" smtClean="0"/>
+              <a:t>Tabloya 100 adet kayıt eklenmeye çalışıldığında elde edilen veriler.</a:t>
+            </a:r>
+            <a:endParaRPr lang="tr-TR" dirty="0"/>
+          </a:p>
+        </p:txBody>
+      </p:sp>
+      <p:sp>
+        <p:nvSpPr>
+          <p:cNvPr id="8" name="Metin kutusu 7"/>
+          <p:cNvSpPr txBox="1"/>
+          <p:nvPr/>
+        </p:nvSpPr>
+        <p:spPr>
+          <a:xfrm>
+            <a:off x="810000" y="6229885"/>
+            <a:ext cx="10402082" cy="369332"/>
+          </a:xfrm>
+          <a:prstGeom prst="rect">
+            <a:avLst/>
+          </a:prstGeom>
+          <a:noFill/>
+        </p:spPr>
+        <p:txBody>
+          <a:bodyPr wrap="square" rtlCol="0">
+            <a:spAutoFit/>
+          </a:bodyPr>
+          <a:lstStyle/>
+          <a:p>
+            <a:r>
+              <a:rPr lang="tr-TR" dirty="0" smtClean="0"/>
+              <a:t>Tabloya 1000 adet kayıt eklenmeye çalışıldığında elde edilen veriler.</a:t>
+            </a:r>
+            <a:endParaRPr lang="tr-TR" dirty="0"/>
+          </a:p>
+        </p:txBody>
+      </p:sp>
+    </p:spTree>
+    <p:extLst>
+      <p:ext uri="{BB962C8B-B14F-4D97-AF65-F5344CB8AC3E}">
+        <p14:creationId xmlns:p14="http://schemas.microsoft.com/office/powerpoint/2010/main" val="2594228377"/>
+      </p:ext>
+    </p:extLst>
+  </p:cSld>
+  <p:clrMapOvr>
+    <a:masterClrMapping/>
+  </p:clrMapOvr>
+  <p:timing>
+    <p:tnLst>
+      <p:par>
+        <p:cTn id="1" dur="indefinite" restart="never" nodeType="tmRoot"/>
+      </p:par>
+    </p:tnLst>
+  </p:timing>
+</p:sld>
+</file>
+
+<file path=ppt/slides/slide47.xml><?xml version="1.0" encoding="utf-8"?>
+<p:sld xmlns:a="http://schemas.openxmlformats.org/drawingml/2006/main" xmlns:r="http://schemas.openxmlformats.org/officeDocument/2006/relationships" xmlns:p="http://schemas.openxmlformats.org/presentationml/2006/main">
+  <p:cSld>
+    <p:spTree>
+      <p:nvGrpSpPr>
+        <p:cNvPr id="1" name=""/>
+        <p:cNvGrpSpPr/>
+        <p:nvPr/>
+      </p:nvGrpSpPr>
+      <p:grpSpPr>
+        <a:xfrm>
+          <a:off x="0" y="0"/>
+          <a:ext cx="0" cy="0"/>
+          <a:chOff x="0" y="0"/>
+          <a:chExt cx="0" cy="0"/>
+        </a:xfrm>
+      </p:grpSpPr>
+      <p:sp>
+        <p:nvSpPr>
+          <p:cNvPr id="2" name="Unvan 1"/>
+          <p:cNvSpPr>
+            <a:spLocks noGrp="1"/>
+          </p:cNvSpPr>
+          <p:nvPr>
+            <p:ph type="title"/>
+          </p:nvPr>
+        </p:nvSpPr>
+        <p:spPr/>
+        <p:txBody>
+          <a:bodyPr/>
+          <a:lstStyle/>
+          <a:p>
+            <a:endParaRPr lang="tr-TR"/>
+          </a:p>
+        </p:txBody>
+      </p:sp>
+      <p:sp>
+        <p:nvSpPr>
+          <p:cNvPr id="3" name="İçerik Yer Tutucusu 2"/>
+          <p:cNvSpPr>
+            <a:spLocks noGrp="1"/>
+          </p:cNvSpPr>
+          <p:nvPr>
+            <p:ph idx="1"/>
+          </p:nvPr>
+        </p:nvSpPr>
+        <p:spPr>
+          <a:xfrm>
+            <a:off x="818712" y="2392821"/>
+            <a:ext cx="10554574" cy="4050707"/>
           </a:xfrm>
         </p:spPr>
         <p:txBody>
@@ -11650,23 +16088,71 @@
             </a:r>
           </a:p>
           <a:p>
-            <a:endParaRPr lang="tr-TR" dirty="0" smtClean="0"/>
-          </a:p>
-          <a:p>
-            <a:endParaRPr lang="tr-TR" dirty="0"/>
-          </a:p>
-          <a:p>
-            <a:endParaRPr lang="tr-TR" dirty="0"/>
-          </a:p>
-          <a:p>
             <a:pPr marL="0" indent="0">
               <a:buNone/>
             </a:pPr>
-            <a:r>
-              <a:rPr lang="tr-TR" dirty="0" smtClean="0"/>
-              <a:t>ATABERK DAĞDELEN</a:t>
-            </a:r>
+            <a:endParaRPr lang="tr-TR" dirty="0" smtClean="0"/>
+          </a:p>
+          <a:p>
+            <a:pPr marL="0" indent="0">
+              <a:buNone/>
+            </a:pPr>
             <a:endParaRPr lang="tr-TR" dirty="0"/>
+          </a:p>
+          <a:p>
+            <a:r>
+              <a:rPr lang="tr-TR" dirty="0" smtClean="0"/>
+              <a:t>Sunuma ve örneklere aşağıdaki adresten ulaşabilirsiniz.</a:t>
+            </a:r>
+          </a:p>
+          <a:p>
+            <a:pPr marL="0" indent="0">
+              <a:buNone/>
+            </a:pPr>
+            <a:r>
+              <a:rPr lang="tr-TR" dirty="0" smtClean="0">
+                <a:hlinkClick r:id="rId2"/>
+              </a:rPr>
+              <a:t>https://github.com/ataberkdag/Object-Relational-Mapping</a:t>
+            </a:r>
+            <a:endParaRPr lang="tr-TR" dirty="0" smtClean="0"/>
+          </a:p>
+          <a:p>
+            <a:pPr marL="0" indent="0">
+              <a:buNone/>
+            </a:pPr>
+            <a:endParaRPr lang="tr-TR" dirty="0"/>
+          </a:p>
+          <a:p>
+            <a:pPr marL="0" indent="0">
+              <a:buNone/>
+            </a:pPr>
+            <a:endParaRPr lang="tr-TR" dirty="0"/>
+          </a:p>
+          <a:p>
+            <a:pPr marL="0" indent="0">
+              <a:buNone/>
+            </a:pPr>
+            <a:r>
+              <a:rPr lang="tr-TR" dirty="0" smtClean="0"/>
+              <a:t>ATABERK </a:t>
+            </a:r>
+            <a:r>
+              <a:rPr lang="tr-TR" dirty="0" smtClean="0"/>
+              <a:t>DAĞDELEN</a:t>
+            </a:r>
+          </a:p>
+          <a:p>
+            <a:pPr marL="0" indent="0">
+              <a:buNone/>
+            </a:pPr>
+            <a:r>
+              <a:rPr lang="tr-TR" sz="1400" dirty="0" smtClean="0">
+                <a:hlinkClick r:id="rId3"/>
+              </a:rPr>
+              <a:t>https://github.com/ataberkdag</a:t>
+            </a:r>
+            <a:endParaRPr lang="tr-TR" sz="1400" dirty="0"/>
           </a:p>
         </p:txBody>
       </p:sp>
@@ -11936,15 +16422,7 @@
           <a:p>
             <a:r>
               <a:rPr lang="tr-TR" dirty="0" smtClean="0"/>
-              <a:t>SQL sorgusuna </a:t>
-            </a:r>
-            <a:r>
-              <a:rPr lang="tr-TR" dirty="0" smtClean="0"/>
-              <a:t>göre </a:t>
-            </a:r>
-            <a:r>
-              <a:rPr lang="tr-TR" dirty="0" smtClean="0"/>
-              <a:t>daha </a:t>
+              <a:t>SQL sorgusuna göre daha </a:t>
             </a:r>
             <a:r>
               <a:rPr lang="tr-TR" dirty="0"/>
@@ -12069,15 +16547,7 @@
           <a:p>
             <a:r>
               <a:rPr lang="tr-TR" dirty="0" smtClean="0"/>
-              <a:t>Performans sorunları. </a:t>
-            </a:r>
-            <a:r>
-              <a:rPr lang="tr-TR" dirty="0" smtClean="0"/>
-              <a:t>(Çoğu ORM aracı SQL sorguları </a:t>
-            </a:r>
-            <a:r>
-              <a:rPr lang="tr-TR" dirty="0" smtClean="0"/>
-              <a:t>kadar hızlı çalışmamaktadır.)</a:t>
+              <a:t>Performans sorunları. (Çoğu ORM aracı SQL sorguları kadar hızlı çalışmamaktadır.)</a:t>
             </a:r>
           </a:p>
           <a:p>
@@ -12408,7 +16878,6 @@
               <a:rPr lang="tr-TR" dirty="0" smtClean="0"/>
               <a:t>.)</a:t>
             </a:r>
-            <a:endParaRPr lang="tr-TR" dirty="0" smtClean="0"/>
           </a:p>
           <a:p>
             <a:r>
